--- a/Powerpoints/Basiskennis-GIT.pptx
+++ b/Powerpoints/Basiskennis-GIT.pptx
@@ -11289,7 +11289,7 @@
             </a:r>
             <a:r>
               <a:rPr lang="nl-BE" dirty="0"/>
-              <a:t> -b =&gt; 4096 -C "&lt;email&gt;“</a:t>
+              <a:t> -b 4096 -C "&lt;email&gt;“</a:t>
             </a:r>
           </a:p>
           <a:p>
@@ -11460,8 +11460,12 @@
               <a:buChar char="ü"/>
             </a:pPr>
             <a:r>
+              <a:rPr lang="nl-BE" dirty="0" err="1"/>
+              <a:t>Ssh</a:t>
+            </a:r>
+            <a:r>
               <a:rPr lang="nl-BE" dirty="0"/>
-              <a:t>-T git@github.com</a:t>
+              <a:t> -T git@github.com</a:t>
             </a:r>
           </a:p>
         </p:txBody>
@@ -46390,6 +46394,15 @@
 </file>
 
 <file path=customXml/item1.xml><?xml version="1.0" encoding="utf-8"?>
+<?mso-contentType ?>
+<FormTemplates xmlns="http://schemas.microsoft.com/sharepoint/v3/contenttype/forms">
+  <Display>DocumentLibraryForm</Display>
+  <Edit>DocumentLibraryForm</Edit>
+  <New>DocumentLibraryForm</New>
+</FormTemplates>
+</file>
+
+<file path=customXml/item2.xml><?xml version="1.0" encoding="utf-8"?>
 <ct:contentTypeSchema xmlns:ct="http://schemas.microsoft.com/office/2006/metadata/contentType" xmlns:ma="http://schemas.microsoft.com/office/2006/metadata/properties/metaAttributes" ct:_="" ma:_="" ma:contentTypeName="Document" ma:contentTypeID="0x01010061B81E3BA243CF4A868B0BEC9F975797" ma:contentTypeVersion="11" ma:contentTypeDescription="Create a new document." ma:contentTypeScope="" ma:versionID="d6987b30bf8e1530db28844b0e3c8f7c">
   <xsd:schema xmlns:xsd="http://www.w3.org/2001/XMLSchema" xmlns:xs="http://www.w3.org/2001/XMLSchema" xmlns:p="http://schemas.microsoft.com/office/2006/metadata/properties" xmlns:ns2="4af98d12-1551-4a02-9e0a-f0639a4d5771" xmlns:ns3="6fd23e11-32eb-4a0c-a866-7a24f41d8546" targetNamespace="http://schemas.microsoft.com/office/2006/metadata/properties" ma:root="true" ma:fieldsID="bbb24fe35e8cdef0f53ee6552c1907ed" ns2:_="" ns3:_="">
     <xsd:import namespace="4af98d12-1551-4a02-9e0a-f0639a4d5771"/>
@@ -46584,16 +46597,15 @@
 </ct:contentTypeSchema>
 </file>
 
-<file path=customXml/item2.xml><?xml version="1.0" encoding="utf-8"?>
-<?mso-contentType ?>
-<FormTemplates xmlns="http://schemas.microsoft.com/sharepoint/v3/contenttype/forms">
-  <Display>DocumentLibraryForm</Display>
-  <Edit>DocumentLibraryForm</Edit>
-  <New>DocumentLibraryForm</New>
-</FormTemplates>
+<file path=customXml/itemProps1.xml><?xml version="1.0" encoding="utf-8"?>
+<ds:datastoreItem xmlns:ds="http://schemas.openxmlformats.org/officeDocument/2006/customXml" ds:itemID="{6406DFD5-8C57-4EAD-B498-AB8664690A9C}">
+  <ds:schemaRefs>
+    <ds:schemaRef ds:uri="http://schemas.microsoft.com/sharepoint/v3/contenttype/forms"/>
+  </ds:schemaRefs>
+</ds:datastoreItem>
 </file>
 
-<file path=customXml/itemProps1.xml><?xml version="1.0" encoding="utf-8"?>
+<file path=customXml/itemProps2.xml><?xml version="1.0" encoding="utf-8"?>
 <ds:datastoreItem xmlns:ds="http://schemas.openxmlformats.org/officeDocument/2006/customXml" ds:itemID="{03FCA14D-D730-4CE8-9BA1-9CF778004E04}">
   <ds:schemaRefs>
     <ds:schemaRef ds:uri="http://schemas.microsoft.com/office/2006/metadata/contentType"/>
@@ -46610,12 +46622,4 @@
     <ds:schemaRef ds:uri="http://schemas.microsoft.com/internal/obd"/>
   </ds:schemaRefs>
 </ds:datastoreItem>
-</file>
-
-<file path=customXml/itemProps2.xml><?xml version="1.0" encoding="utf-8"?>
-<ds:datastoreItem xmlns:ds="http://schemas.openxmlformats.org/officeDocument/2006/customXml" ds:itemID="{6406DFD5-8C57-4EAD-B498-AB8664690A9C}">
-  <ds:schemaRefs>
-    <ds:schemaRef ds:uri="http://schemas.microsoft.com/sharepoint/v3/contenttype/forms"/>
-  </ds:schemaRefs>
-</ds:datastoreItem>
 </file>
--- a/Powerpoints/Basiskennis-GIT.pptx
+++ b/Powerpoints/Basiskennis-GIT.pptx
@@ -228,7 +228,7 @@
           <a:p>
             <a:fld id="{0123E455-1A20-4F9D-AB8C-A6908B79F2B5}" type="datetimeFigureOut">
               <a:rPr lang="en-US" smtClean="0"/>
-              <a:t>10/2/2023</a:t>
+              <a:t>10/5/2023</a:t>
             </a:fld>
             <a:endParaRPr lang="en-US"/>
           </a:p>
@@ -642,7 +642,7 @@
           <a:p>
             <a:fld id="{A0E91A94-F19F-40CA-AA51-DB498FD38CEA}" type="datetimeFigureOut">
               <a:rPr lang="en-US" smtClean="0"/>
-              <a:t>10/2/2023</a:t>
+              <a:t>10/5/2023</a:t>
             </a:fld>
             <a:endParaRPr lang="en-US"/>
           </a:p>
@@ -840,7 +840,7 @@
           <a:p>
             <a:fld id="{A0E91A94-F19F-40CA-AA51-DB498FD38CEA}" type="datetimeFigureOut">
               <a:rPr lang="en-US" smtClean="0"/>
-              <a:t>10/2/2023</a:t>
+              <a:t>10/5/2023</a:t>
             </a:fld>
             <a:endParaRPr lang="en-US"/>
           </a:p>
@@ -1048,7 +1048,7 @@
           <a:p>
             <a:fld id="{A0E91A94-F19F-40CA-AA51-DB498FD38CEA}" type="datetimeFigureOut">
               <a:rPr lang="en-US" smtClean="0"/>
-              <a:t>10/2/2023</a:t>
+              <a:t>10/5/2023</a:t>
             </a:fld>
             <a:endParaRPr lang="en-US"/>
           </a:p>
@@ -1270,7 +1270,7 @@
           <a:p>
             <a:fld id="{6DE2EC36-C73C-4FBF-9215-738138EAD35A}" type="datetimeFigureOut">
               <a:rPr lang="en-IE" smtClean="0"/>
-              <a:t>02/10/2023</a:t>
+              <a:t>05/10/2023</a:t>
             </a:fld>
             <a:endParaRPr lang="en-IE"/>
           </a:p>
@@ -1470,7 +1470,7 @@
           <a:p>
             <a:fld id="{6DE2EC36-C73C-4FBF-9215-738138EAD35A}" type="datetimeFigureOut">
               <a:rPr lang="en-IE" smtClean="0"/>
-              <a:t>02/10/2023</a:t>
+              <a:t>05/10/2023</a:t>
             </a:fld>
             <a:endParaRPr lang="en-IE"/>
           </a:p>
@@ -1746,7 +1746,7 @@
           <a:p>
             <a:fld id="{6DE2EC36-C73C-4FBF-9215-738138EAD35A}" type="datetimeFigureOut">
               <a:rPr lang="en-IE" smtClean="0"/>
-              <a:t>02/10/2023</a:t>
+              <a:t>05/10/2023</a:t>
             </a:fld>
             <a:endParaRPr lang="en-IE"/>
           </a:p>
@@ -2014,7 +2014,7 @@
           <a:p>
             <a:fld id="{6DE2EC36-C73C-4FBF-9215-738138EAD35A}" type="datetimeFigureOut">
               <a:rPr lang="en-IE" smtClean="0"/>
-              <a:t>02/10/2023</a:t>
+              <a:t>05/10/2023</a:t>
             </a:fld>
             <a:endParaRPr lang="en-IE"/>
           </a:p>
@@ -2429,7 +2429,7 @@
           <a:p>
             <a:fld id="{6DE2EC36-C73C-4FBF-9215-738138EAD35A}" type="datetimeFigureOut">
               <a:rPr lang="en-IE" smtClean="0"/>
-              <a:t>02/10/2023</a:t>
+              <a:t>05/10/2023</a:t>
             </a:fld>
             <a:endParaRPr lang="en-IE"/>
           </a:p>
@@ -2571,7 +2571,7 @@
           <a:p>
             <a:fld id="{6DE2EC36-C73C-4FBF-9215-738138EAD35A}" type="datetimeFigureOut">
               <a:rPr lang="en-IE" smtClean="0"/>
-              <a:t>02/10/2023</a:t>
+              <a:t>05/10/2023</a:t>
             </a:fld>
             <a:endParaRPr lang="en-IE"/>
           </a:p>
@@ -2684,7 +2684,7 @@
           <a:p>
             <a:fld id="{6DE2EC36-C73C-4FBF-9215-738138EAD35A}" type="datetimeFigureOut">
               <a:rPr lang="en-IE" smtClean="0"/>
-              <a:t>02/10/2023</a:t>
+              <a:t>05/10/2023</a:t>
             </a:fld>
             <a:endParaRPr lang="en-IE"/>
           </a:p>
@@ -2997,7 +2997,7 @@
           <a:p>
             <a:fld id="{6DE2EC36-C73C-4FBF-9215-738138EAD35A}" type="datetimeFigureOut">
               <a:rPr lang="en-IE" smtClean="0"/>
-              <a:t>02/10/2023</a:t>
+              <a:t>05/10/2023</a:t>
             </a:fld>
             <a:endParaRPr lang="en-IE"/>
           </a:p>
@@ -3263,7 +3263,7 @@
           <a:p>
             <a:fld id="{A0E91A94-F19F-40CA-AA51-DB498FD38CEA}" type="datetimeFigureOut">
               <a:rPr lang="en-US" smtClean="0"/>
-              <a:t>10/2/2023</a:t>
+              <a:t>10/5/2023</a:t>
             </a:fld>
             <a:endParaRPr lang="en-US"/>
           </a:p>
@@ -3552,7 +3552,7 @@
           <a:p>
             <a:fld id="{6DE2EC36-C73C-4FBF-9215-738138EAD35A}" type="datetimeFigureOut">
               <a:rPr lang="en-IE" smtClean="0"/>
-              <a:t>02/10/2023</a:t>
+              <a:t>05/10/2023</a:t>
             </a:fld>
             <a:endParaRPr lang="en-IE"/>
           </a:p>
@@ -3752,7 +3752,7 @@
           <a:p>
             <a:fld id="{6DE2EC36-C73C-4FBF-9215-738138EAD35A}" type="datetimeFigureOut">
               <a:rPr lang="en-IE" smtClean="0"/>
-              <a:t>02/10/2023</a:t>
+              <a:t>05/10/2023</a:t>
             </a:fld>
             <a:endParaRPr lang="en-IE"/>
           </a:p>
@@ -3962,7 +3962,7 @@
           <a:p>
             <a:fld id="{6DE2EC36-C73C-4FBF-9215-738138EAD35A}" type="datetimeFigureOut">
               <a:rPr lang="en-IE" smtClean="0"/>
-              <a:t>02/10/2023</a:t>
+              <a:t>05/10/2023</a:t>
             </a:fld>
             <a:endParaRPr lang="en-IE"/>
           </a:p>
@@ -4237,7 +4237,7 @@
           <a:p>
             <a:fld id="{A0E91A94-F19F-40CA-AA51-DB498FD38CEA}" type="datetimeFigureOut">
               <a:rPr lang="en-US" smtClean="0"/>
-              <a:t>10/2/2023</a:t>
+              <a:t>10/5/2023</a:t>
             </a:fld>
             <a:endParaRPr lang="en-US"/>
           </a:p>
@@ -4502,7 +4502,7 @@
           <a:p>
             <a:fld id="{A0E91A94-F19F-40CA-AA51-DB498FD38CEA}" type="datetimeFigureOut">
               <a:rPr lang="en-US" smtClean="0"/>
-              <a:t>10/2/2023</a:t>
+              <a:t>10/5/2023</a:t>
             </a:fld>
             <a:endParaRPr lang="en-US"/>
           </a:p>
@@ -4914,7 +4914,7 @@
           <a:p>
             <a:fld id="{A0E91A94-F19F-40CA-AA51-DB498FD38CEA}" type="datetimeFigureOut">
               <a:rPr lang="en-US" smtClean="0"/>
-              <a:t>10/2/2023</a:t>
+              <a:t>10/5/2023</a:t>
             </a:fld>
             <a:endParaRPr lang="en-US"/>
           </a:p>
@@ -5055,7 +5055,7 @@
           <a:p>
             <a:fld id="{A0E91A94-F19F-40CA-AA51-DB498FD38CEA}" type="datetimeFigureOut">
               <a:rPr lang="en-US" smtClean="0"/>
-              <a:t>10/2/2023</a:t>
+              <a:t>10/5/2023</a:t>
             </a:fld>
             <a:endParaRPr lang="en-US"/>
           </a:p>
@@ -5168,7 +5168,7 @@
           <a:p>
             <a:fld id="{A0E91A94-F19F-40CA-AA51-DB498FD38CEA}" type="datetimeFigureOut">
               <a:rPr lang="en-US" smtClean="0"/>
-              <a:t>10/2/2023</a:t>
+              <a:t>10/5/2023</a:t>
             </a:fld>
             <a:endParaRPr lang="en-US"/>
           </a:p>
@@ -5479,7 +5479,7 @@
           <a:p>
             <a:fld id="{A0E91A94-F19F-40CA-AA51-DB498FD38CEA}" type="datetimeFigureOut">
               <a:rPr lang="en-US" smtClean="0"/>
-              <a:t>10/2/2023</a:t>
+              <a:t>10/5/2023</a:t>
             </a:fld>
             <a:endParaRPr lang="en-US"/>
           </a:p>
@@ -5767,7 +5767,7 @@
           <a:p>
             <a:fld id="{A0E91A94-F19F-40CA-AA51-DB498FD38CEA}" type="datetimeFigureOut">
               <a:rPr lang="en-US" smtClean="0"/>
-              <a:t>10/2/2023</a:t>
+              <a:t>10/5/2023</a:t>
             </a:fld>
             <a:endParaRPr lang="en-US"/>
           </a:p>
@@ -6008,7 +6008,7 @@
           <a:p>
             <a:fld id="{A0E91A94-F19F-40CA-AA51-DB498FD38CEA}" type="datetimeFigureOut">
               <a:rPr lang="en-US" smtClean="0"/>
-              <a:t>10/2/2023</a:t>
+              <a:t>10/5/2023</a:t>
             </a:fld>
             <a:endParaRPr lang="en-US"/>
           </a:p>
@@ -6578,7 +6578,7 @@
           <a:p>
             <a:fld id="{6DE2EC36-C73C-4FBF-9215-738138EAD35A}" type="datetimeFigureOut">
               <a:rPr lang="en-IE" smtClean="0"/>
-              <a:t>02/10/2023</a:t>
+              <a:t>05/10/2023</a:t>
             </a:fld>
             <a:endParaRPr lang="en-IE"/>
           </a:p>
@@ -22444,6 +22444,570 @@
   <p:clrMapOvr>
     <a:masterClrMapping/>
   </p:clrMapOvr>
+  <p:timing>
+    <p:tnLst>
+      <p:par>
+        <p:cTn id="1" dur="indefinite" restart="never" nodeType="tmRoot">
+          <p:childTnLst>
+            <p:seq concurrent="1" nextAc="seek">
+              <p:cTn id="2" dur="indefinite" nodeType="mainSeq">
+                <p:childTnLst>
+                  <p:par>
+                    <p:cTn id="3" fill="hold">
+                      <p:stCondLst>
+                        <p:cond delay="indefinite"/>
+                      </p:stCondLst>
+                      <p:childTnLst>
+                        <p:par>
+                          <p:cTn id="4" fill="hold">
+                            <p:stCondLst>
+                              <p:cond delay="0"/>
+                            </p:stCondLst>
+                            <p:childTnLst>
+                              <p:par>
+                                <p:cTn id="5" presetID="10" presetClass="entr" presetSubtype="0" fill="hold" grpId="0" nodeType="clickEffect">
+                                  <p:stCondLst>
+                                    <p:cond delay="0"/>
+                                  </p:stCondLst>
+                                  <p:childTnLst>
+                                    <p:set>
+                                      <p:cBhvr>
+                                        <p:cTn id="6" dur="1" fill="hold">
+                                          <p:stCondLst>
+                                            <p:cond delay="0"/>
+                                          </p:stCondLst>
+                                        </p:cTn>
+                                        <p:tgtEl>
+                                          <p:spTgt spid="3">
+                                            <p:txEl>
+                                              <p:pRg st="0" end="0"/>
+                                            </p:txEl>
+                                          </p:spTgt>
+                                        </p:tgtEl>
+                                        <p:attrNameLst>
+                                          <p:attrName>style.visibility</p:attrName>
+                                        </p:attrNameLst>
+                                      </p:cBhvr>
+                                      <p:to>
+                                        <p:strVal val="visible"/>
+                                      </p:to>
+                                    </p:set>
+                                    <p:animEffect transition="in" filter="fade">
+                                      <p:cBhvr>
+                                        <p:cTn id="7" dur="500"/>
+                                        <p:tgtEl>
+                                          <p:spTgt spid="3">
+                                            <p:txEl>
+                                              <p:pRg st="0" end="0"/>
+                                            </p:txEl>
+                                          </p:spTgt>
+                                        </p:tgtEl>
+                                      </p:cBhvr>
+                                    </p:animEffect>
+                                  </p:childTnLst>
+                                </p:cTn>
+                              </p:par>
+                            </p:childTnLst>
+                          </p:cTn>
+                        </p:par>
+                      </p:childTnLst>
+                    </p:cTn>
+                  </p:par>
+                  <p:par>
+                    <p:cTn id="8" fill="hold">
+                      <p:stCondLst>
+                        <p:cond delay="indefinite"/>
+                      </p:stCondLst>
+                      <p:childTnLst>
+                        <p:par>
+                          <p:cTn id="9" fill="hold">
+                            <p:stCondLst>
+                              <p:cond delay="0"/>
+                            </p:stCondLst>
+                            <p:childTnLst>
+                              <p:par>
+                                <p:cTn id="10" presetID="10" presetClass="entr" presetSubtype="0" fill="hold" grpId="0" nodeType="clickEffect">
+                                  <p:stCondLst>
+                                    <p:cond delay="0"/>
+                                  </p:stCondLst>
+                                  <p:childTnLst>
+                                    <p:set>
+                                      <p:cBhvr>
+                                        <p:cTn id="11" dur="1" fill="hold">
+                                          <p:stCondLst>
+                                            <p:cond delay="0"/>
+                                          </p:stCondLst>
+                                        </p:cTn>
+                                        <p:tgtEl>
+                                          <p:spTgt spid="3">
+                                            <p:txEl>
+                                              <p:pRg st="1" end="1"/>
+                                            </p:txEl>
+                                          </p:spTgt>
+                                        </p:tgtEl>
+                                        <p:attrNameLst>
+                                          <p:attrName>style.visibility</p:attrName>
+                                        </p:attrNameLst>
+                                      </p:cBhvr>
+                                      <p:to>
+                                        <p:strVal val="visible"/>
+                                      </p:to>
+                                    </p:set>
+                                    <p:animEffect transition="in" filter="fade">
+                                      <p:cBhvr>
+                                        <p:cTn id="12" dur="500"/>
+                                        <p:tgtEl>
+                                          <p:spTgt spid="3">
+                                            <p:txEl>
+                                              <p:pRg st="1" end="1"/>
+                                            </p:txEl>
+                                          </p:spTgt>
+                                        </p:tgtEl>
+                                      </p:cBhvr>
+                                    </p:animEffect>
+                                  </p:childTnLst>
+                                </p:cTn>
+                              </p:par>
+                            </p:childTnLst>
+                          </p:cTn>
+                        </p:par>
+                      </p:childTnLst>
+                    </p:cTn>
+                  </p:par>
+                  <p:par>
+                    <p:cTn id="13" fill="hold">
+                      <p:stCondLst>
+                        <p:cond delay="indefinite"/>
+                      </p:stCondLst>
+                      <p:childTnLst>
+                        <p:par>
+                          <p:cTn id="14" fill="hold">
+                            <p:stCondLst>
+                              <p:cond delay="0"/>
+                            </p:stCondLst>
+                            <p:childTnLst>
+                              <p:par>
+                                <p:cTn id="15" presetID="10" presetClass="entr" presetSubtype="0" fill="hold" grpId="0" nodeType="clickEffect">
+                                  <p:stCondLst>
+                                    <p:cond delay="0"/>
+                                  </p:stCondLst>
+                                  <p:childTnLst>
+                                    <p:set>
+                                      <p:cBhvr>
+                                        <p:cTn id="16" dur="1" fill="hold">
+                                          <p:stCondLst>
+                                            <p:cond delay="0"/>
+                                          </p:stCondLst>
+                                        </p:cTn>
+                                        <p:tgtEl>
+                                          <p:spTgt spid="3">
+                                            <p:txEl>
+                                              <p:pRg st="2" end="2"/>
+                                            </p:txEl>
+                                          </p:spTgt>
+                                        </p:tgtEl>
+                                        <p:attrNameLst>
+                                          <p:attrName>style.visibility</p:attrName>
+                                        </p:attrNameLst>
+                                      </p:cBhvr>
+                                      <p:to>
+                                        <p:strVal val="visible"/>
+                                      </p:to>
+                                    </p:set>
+                                    <p:animEffect transition="in" filter="fade">
+                                      <p:cBhvr>
+                                        <p:cTn id="17" dur="500"/>
+                                        <p:tgtEl>
+                                          <p:spTgt spid="3">
+                                            <p:txEl>
+                                              <p:pRg st="2" end="2"/>
+                                            </p:txEl>
+                                          </p:spTgt>
+                                        </p:tgtEl>
+                                      </p:cBhvr>
+                                    </p:animEffect>
+                                  </p:childTnLst>
+                                </p:cTn>
+                              </p:par>
+                            </p:childTnLst>
+                          </p:cTn>
+                        </p:par>
+                      </p:childTnLst>
+                    </p:cTn>
+                  </p:par>
+                  <p:par>
+                    <p:cTn id="18" fill="hold">
+                      <p:stCondLst>
+                        <p:cond delay="indefinite"/>
+                      </p:stCondLst>
+                      <p:childTnLst>
+                        <p:par>
+                          <p:cTn id="19" fill="hold">
+                            <p:stCondLst>
+                              <p:cond delay="0"/>
+                            </p:stCondLst>
+                            <p:childTnLst>
+                              <p:par>
+                                <p:cTn id="20" presetID="10" presetClass="entr" presetSubtype="0" fill="hold" grpId="0" nodeType="clickEffect">
+                                  <p:stCondLst>
+                                    <p:cond delay="0"/>
+                                  </p:stCondLst>
+                                  <p:childTnLst>
+                                    <p:set>
+                                      <p:cBhvr>
+                                        <p:cTn id="21" dur="1" fill="hold">
+                                          <p:stCondLst>
+                                            <p:cond delay="0"/>
+                                          </p:stCondLst>
+                                        </p:cTn>
+                                        <p:tgtEl>
+                                          <p:spTgt spid="3">
+                                            <p:txEl>
+                                              <p:pRg st="3" end="3"/>
+                                            </p:txEl>
+                                          </p:spTgt>
+                                        </p:tgtEl>
+                                        <p:attrNameLst>
+                                          <p:attrName>style.visibility</p:attrName>
+                                        </p:attrNameLst>
+                                      </p:cBhvr>
+                                      <p:to>
+                                        <p:strVal val="visible"/>
+                                      </p:to>
+                                    </p:set>
+                                    <p:animEffect transition="in" filter="fade">
+                                      <p:cBhvr>
+                                        <p:cTn id="22" dur="500"/>
+                                        <p:tgtEl>
+                                          <p:spTgt spid="3">
+                                            <p:txEl>
+                                              <p:pRg st="3" end="3"/>
+                                            </p:txEl>
+                                          </p:spTgt>
+                                        </p:tgtEl>
+                                      </p:cBhvr>
+                                    </p:animEffect>
+                                  </p:childTnLst>
+                                </p:cTn>
+                              </p:par>
+                            </p:childTnLst>
+                          </p:cTn>
+                        </p:par>
+                      </p:childTnLst>
+                    </p:cTn>
+                  </p:par>
+                  <p:par>
+                    <p:cTn id="23" fill="hold">
+                      <p:stCondLst>
+                        <p:cond delay="indefinite"/>
+                      </p:stCondLst>
+                      <p:childTnLst>
+                        <p:par>
+                          <p:cTn id="24" fill="hold">
+                            <p:stCondLst>
+                              <p:cond delay="0"/>
+                            </p:stCondLst>
+                            <p:childTnLst>
+                              <p:par>
+                                <p:cTn id="25" presetID="10" presetClass="entr" presetSubtype="0" fill="hold" grpId="0" nodeType="clickEffect">
+                                  <p:stCondLst>
+                                    <p:cond delay="0"/>
+                                  </p:stCondLst>
+                                  <p:childTnLst>
+                                    <p:set>
+                                      <p:cBhvr>
+                                        <p:cTn id="26" dur="1" fill="hold">
+                                          <p:stCondLst>
+                                            <p:cond delay="0"/>
+                                          </p:stCondLst>
+                                        </p:cTn>
+                                        <p:tgtEl>
+                                          <p:spTgt spid="3">
+                                            <p:txEl>
+                                              <p:pRg st="4" end="4"/>
+                                            </p:txEl>
+                                          </p:spTgt>
+                                        </p:tgtEl>
+                                        <p:attrNameLst>
+                                          <p:attrName>style.visibility</p:attrName>
+                                        </p:attrNameLst>
+                                      </p:cBhvr>
+                                      <p:to>
+                                        <p:strVal val="visible"/>
+                                      </p:to>
+                                    </p:set>
+                                    <p:animEffect transition="in" filter="fade">
+                                      <p:cBhvr>
+                                        <p:cTn id="27" dur="500"/>
+                                        <p:tgtEl>
+                                          <p:spTgt spid="3">
+                                            <p:txEl>
+                                              <p:pRg st="4" end="4"/>
+                                            </p:txEl>
+                                          </p:spTgt>
+                                        </p:tgtEl>
+                                      </p:cBhvr>
+                                    </p:animEffect>
+                                  </p:childTnLst>
+                                </p:cTn>
+                              </p:par>
+                            </p:childTnLst>
+                          </p:cTn>
+                        </p:par>
+                      </p:childTnLst>
+                    </p:cTn>
+                  </p:par>
+                  <p:par>
+                    <p:cTn id="28" fill="hold">
+                      <p:stCondLst>
+                        <p:cond delay="indefinite"/>
+                      </p:stCondLst>
+                      <p:childTnLst>
+                        <p:par>
+                          <p:cTn id="29" fill="hold">
+                            <p:stCondLst>
+                              <p:cond delay="0"/>
+                            </p:stCondLst>
+                            <p:childTnLst>
+                              <p:par>
+                                <p:cTn id="30" presetID="10" presetClass="entr" presetSubtype="0" fill="hold" grpId="0" nodeType="clickEffect">
+                                  <p:stCondLst>
+                                    <p:cond delay="0"/>
+                                  </p:stCondLst>
+                                  <p:childTnLst>
+                                    <p:set>
+                                      <p:cBhvr>
+                                        <p:cTn id="31" dur="1" fill="hold">
+                                          <p:stCondLst>
+                                            <p:cond delay="0"/>
+                                          </p:stCondLst>
+                                        </p:cTn>
+                                        <p:tgtEl>
+                                          <p:spTgt spid="3">
+                                            <p:txEl>
+                                              <p:pRg st="5" end="5"/>
+                                            </p:txEl>
+                                          </p:spTgt>
+                                        </p:tgtEl>
+                                        <p:attrNameLst>
+                                          <p:attrName>style.visibility</p:attrName>
+                                        </p:attrNameLst>
+                                      </p:cBhvr>
+                                      <p:to>
+                                        <p:strVal val="visible"/>
+                                      </p:to>
+                                    </p:set>
+                                    <p:animEffect transition="in" filter="fade">
+                                      <p:cBhvr>
+                                        <p:cTn id="32" dur="500"/>
+                                        <p:tgtEl>
+                                          <p:spTgt spid="3">
+                                            <p:txEl>
+                                              <p:pRg st="5" end="5"/>
+                                            </p:txEl>
+                                          </p:spTgt>
+                                        </p:tgtEl>
+                                      </p:cBhvr>
+                                    </p:animEffect>
+                                  </p:childTnLst>
+                                </p:cTn>
+                              </p:par>
+                            </p:childTnLst>
+                          </p:cTn>
+                        </p:par>
+                      </p:childTnLst>
+                    </p:cTn>
+                  </p:par>
+                  <p:par>
+                    <p:cTn id="33" fill="hold">
+                      <p:stCondLst>
+                        <p:cond delay="indefinite"/>
+                      </p:stCondLst>
+                      <p:childTnLst>
+                        <p:par>
+                          <p:cTn id="34" fill="hold">
+                            <p:stCondLst>
+                              <p:cond delay="0"/>
+                            </p:stCondLst>
+                            <p:childTnLst>
+                              <p:par>
+                                <p:cTn id="35" presetID="10" presetClass="entr" presetSubtype="0" fill="hold" grpId="0" nodeType="clickEffect">
+                                  <p:stCondLst>
+                                    <p:cond delay="0"/>
+                                  </p:stCondLst>
+                                  <p:childTnLst>
+                                    <p:set>
+                                      <p:cBhvr>
+                                        <p:cTn id="36" dur="1" fill="hold">
+                                          <p:stCondLst>
+                                            <p:cond delay="0"/>
+                                          </p:stCondLst>
+                                        </p:cTn>
+                                        <p:tgtEl>
+                                          <p:spTgt spid="3">
+                                            <p:txEl>
+                                              <p:pRg st="6" end="6"/>
+                                            </p:txEl>
+                                          </p:spTgt>
+                                        </p:tgtEl>
+                                        <p:attrNameLst>
+                                          <p:attrName>style.visibility</p:attrName>
+                                        </p:attrNameLst>
+                                      </p:cBhvr>
+                                      <p:to>
+                                        <p:strVal val="visible"/>
+                                      </p:to>
+                                    </p:set>
+                                    <p:animEffect transition="in" filter="fade">
+                                      <p:cBhvr>
+                                        <p:cTn id="37" dur="500"/>
+                                        <p:tgtEl>
+                                          <p:spTgt spid="3">
+                                            <p:txEl>
+                                              <p:pRg st="6" end="6"/>
+                                            </p:txEl>
+                                          </p:spTgt>
+                                        </p:tgtEl>
+                                      </p:cBhvr>
+                                    </p:animEffect>
+                                  </p:childTnLst>
+                                </p:cTn>
+                              </p:par>
+                            </p:childTnLst>
+                          </p:cTn>
+                        </p:par>
+                      </p:childTnLst>
+                    </p:cTn>
+                  </p:par>
+                  <p:par>
+                    <p:cTn id="38" fill="hold">
+                      <p:stCondLst>
+                        <p:cond delay="indefinite"/>
+                      </p:stCondLst>
+                      <p:childTnLst>
+                        <p:par>
+                          <p:cTn id="39" fill="hold">
+                            <p:stCondLst>
+                              <p:cond delay="0"/>
+                            </p:stCondLst>
+                            <p:childTnLst>
+                              <p:par>
+                                <p:cTn id="40" presetID="10" presetClass="entr" presetSubtype="0" fill="hold" grpId="0" nodeType="clickEffect">
+                                  <p:stCondLst>
+                                    <p:cond delay="0"/>
+                                  </p:stCondLst>
+                                  <p:childTnLst>
+                                    <p:set>
+                                      <p:cBhvr>
+                                        <p:cTn id="41" dur="1" fill="hold">
+                                          <p:stCondLst>
+                                            <p:cond delay="0"/>
+                                          </p:stCondLst>
+                                        </p:cTn>
+                                        <p:tgtEl>
+                                          <p:spTgt spid="3">
+                                            <p:txEl>
+                                              <p:pRg st="7" end="7"/>
+                                            </p:txEl>
+                                          </p:spTgt>
+                                        </p:tgtEl>
+                                        <p:attrNameLst>
+                                          <p:attrName>style.visibility</p:attrName>
+                                        </p:attrNameLst>
+                                      </p:cBhvr>
+                                      <p:to>
+                                        <p:strVal val="visible"/>
+                                      </p:to>
+                                    </p:set>
+                                    <p:animEffect transition="in" filter="fade">
+                                      <p:cBhvr>
+                                        <p:cTn id="42" dur="500"/>
+                                        <p:tgtEl>
+                                          <p:spTgt spid="3">
+                                            <p:txEl>
+                                              <p:pRg st="7" end="7"/>
+                                            </p:txEl>
+                                          </p:spTgt>
+                                        </p:tgtEl>
+                                      </p:cBhvr>
+                                    </p:animEffect>
+                                  </p:childTnLst>
+                                </p:cTn>
+                              </p:par>
+                              <p:par>
+                                <p:cTn id="43" presetID="10" presetClass="entr" presetSubtype="0" fill="hold" grpId="0" nodeType="withEffect">
+                                  <p:stCondLst>
+                                    <p:cond delay="0"/>
+                                  </p:stCondLst>
+                                  <p:childTnLst>
+                                    <p:set>
+                                      <p:cBhvr>
+                                        <p:cTn id="44" dur="1" fill="hold">
+                                          <p:stCondLst>
+                                            <p:cond delay="0"/>
+                                          </p:stCondLst>
+                                        </p:cTn>
+                                        <p:tgtEl>
+                                          <p:spTgt spid="3">
+                                            <p:txEl>
+                                              <p:pRg st="8" end="8"/>
+                                            </p:txEl>
+                                          </p:spTgt>
+                                        </p:tgtEl>
+                                        <p:attrNameLst>
+                                          <p:attrName>style.visibility</p:attrName>
+                                        </p:attrNameLst>
+                                      </p:cBhvr>
+                                      <p:to>
+                                        <p:strVal val="visible"/>
+                                      </p:to>
+                                    </p:set>
+                                    <p:animEffect transition="in" filter="fade">
+                                      <p:cBhvr>
+                                        <p:cTn id="45" dur="500"/>
+                                        <p:tgtEl>
+                                          <p:spTgt spid="3">
+                                            <p:txEl>
+                                              <p:pRg st="8" end="8"/>
+                                            </p:txEl>
+                                          </p:spTgt>
+                                        </p:tgtEl>
+                                      </p:cBhvr>
+                                    </p:animEffect>
+                                  </p:childTnLst>
+                                </p:cTn>
+                              </p:par>
+                            </p:childTnLst>
+                          </p:cTn>
+                        </p:par>
+                      </p:childTnLst>
+                    </p:cTn>
+                  </p:par>
+                </p:childTnLst>
+              </p:cTn>
+              <p:prevCondLst>
+                <p:cond evt="onPrev" delay="0">
+                  <p:tgtEl>
+                    <p:sldTgt/>
+                  </p:tgtEl>
+                </p:cond>
+              </p:prevCondLst>
+              <p:nextCondLst>
+                <p:cond evt="onNext" delay="0">
+                  <p:tgtEl>
+                    <p:sldTgt/>
+                  </p:tgtEl>
+                </p:cond>
+              </p:nextCondLst>
+            </p:seq>
+          </p:childTnLst>
+        </p:cTn>
+      </p:par>
+    </p:tnLst>
+    <p:bldLst>
+      <p:bldP spid="3" grpId="0" uiExpand="1" build="p"/>
+    </p:bldLst>
+  </p:timing>
 </p:sld>
 </file>
 
@@ -22651,6 +23215,649 @@
   <p:clrMapOvr>
     <a:masterClrMapping/>
   </p:clrMapOvr>
+  <p:timing>
+    <p:tnLst>
+      <p:par>
+        <p:cTn id="1" dur="indefinite" restart="never" nodeType="tmRoot">
+          <p:childTnLst>
+            <p:seq concurrent="1" nextAc="seek">
+              <p:cTn id="2" dur="indefinite" nodeType="mainSeq">
+                <p:childTnLst>
+                  <p:par>
+                    <p:cTn id="3" fill="hold">
+                      <p:stCondLst>
+                        <p:cond delay="indefinite"/>
+                      </p:stCondLst>
+                      <p:childTnLst>
+                        <p:par>
+                          <p:cTn id="4" fill="hold">
+                            <p:stCondLst>
+                              <p:cond delay="0"/>
+                            </p:stCondLst>
+                            <p:childTnLst>
+                              <p:par>
+                                <p:cTn id="5" presetID="10" presetClass="entr" presetSubtype="0" fill="hold" grpId="0" nodeType="clickEffect">
+                                  <p:stCondLst>
+                                    <p:cond delay="0"/>
+                                  </p:stCondLst>
+                                  <p:childTnLst>
+                                    <p:set>
+                                      <p:cBhvr>
+                                        <p:cTn id="6" dur="1" fill="hold">
+                                          <p:stCondLst>
+                                            <p:cond delay="0"/>
+                                          </p:stCondLst>
+                                        </p:cTn>
+                                        <p:tgtEl>
+                                          <p:spTgt spid="3">
+                                            <p:txEl>
+                                              <p:pRg st="0" end="0"/>
+                                            </p:txEl>
+                                          </p:spTgt>
+                                        </p:tgtEl>
+                                        <p:attrNameLst>
+                                          <p:attrName>style.visibility</p:attrName>
+                                        </p:attrNameLst>
+                                      </p:cBhvr>
+                                      <p:to>
+                                        <p:strVal val="visible"/>
+                                      </p:to>
+                                    </p:set>
+                                    <p:animEffect transition="in" filter="fade">
+                                      <p:cBhvr>
+                                        <p:cTn id="7" dur="500"/>
+                                        <p:tgtEl>
+                                          <p:spTgt spid="3">
+                                            <p:txEl>
+                                              <p:pRg st="0" end="0"/>
+                                            </p:txEl>
+                                          </p:spTgt>
+                                        </p:tgtEl>
+                                      </p:cBhvr>
+                                    </p:animEffect>
+                                  </p:childTnLst>
+                                </p:cTn>
+                              </p:par>
+                            </p:childTnLst>
+                          </p:cTn>
+                        </p:par>
+                      </p:childTnLst>
+                    </p:cTn>
+                  </p:par>
+                  <p:par>
+                    <p:cTn id="8" fill="hold">
+                      <p:stCondLst>
+                        <p:cond delay="indefinite"/>
+                      </p:stCondLst>
+                      <p:childTnLst>
+                        <p:par>
+                          <p:cTn id="9" fill="hold">
+                            <p:stCondLst>
+                              <p:cond delay="0"/>
+                            </p:stCondLst>
+                            <p:childTnLst>
+                              <p:par>
+                                <p:cTn id="10" presetID="10" presetClass="entr" presetSubtype="0" fill="hold" grpId="0" nodeType="clickEffect">
+                                  <p:stCondLst>
+                                    <p:cond delay="0"/>
+                                  </p:stCondLst>
+                                  <p:childTnLst>
+                                    <p:set>
+                                      <p:cBhvr>
+                                        <p:cTn id="11" dur="1" fill="hold">
+                                          <p:stCondLst>
+                                            <p:cond delay="0"/>
+                                          </p:stCondLst>
+                                        </p:cTn>
+                                        <p:tgtEl>
+                                          <p:spTgt spid="3">
+                                            <p:txEl>
+                                              <p:pRg st="1" end="1"/>
+                                            </p:txEl>
+                                          </p:spTgt>
+                                        </p:tgtEl>
+                                        <p:attrNameLst>
+                                          <p:attrName>style.visibility</p:attrName>
+                                        </p:attrNameLst>
+                                      </p:cBhvr>
+                                      <p:to>
+                                        <p:strVal val="visible"/>
+                                      </p:to>
+                                    </p:set>
+                                    <p:animEffect transition="in" filter="fade">
+                                      <p:cBhvr>
+                                        <p:cTn id="12" dur="500"/>
+                                        <p:tgtEl>
+                                          <p:spTgt spid="3">
+                                            <p:txEl>
+                                              <p:pRg st="1" end="1"/>
+                                            </p:txEl>
+                                          </p:spTgt>
+                                        </p:tgtEl>
+                                      </p:cBhvr>
+                                    </p:animEffect>
+                                  </p:childTnLst>
+                                </p:cTn>
+                              </p:par>
+                            </p:childTnLst>
+                          </p:cTn>
+                        </p:par>
+                      </p:childTnLst>
+                    </p:cTn>
+                  </p:par>
+                  <p:par>
+                    <p:cTn id="13" fill="hold">
+                      <p:stCondLst>
+                        <p:cond delay="indefinite"/>
+                      </p:stCondLst>
+                      <p:childTnLst>
+                        <p:par>
+                          <p:cTn id="14" fill="hold">
+                            <p:stCondLst>
+                              <p:cond delay="0"/>
+                            </p:stCondLst>
+                            <p:childTnLst>
+                              <p:par>
+                                <p:cTn id="15" presetID="10" presetClass="entr" presetSubtype="0" fill="hold" grpId="0" nodeType="clickEffect">
+                                  <p:stCondLst>
+                                    <p:cond delay="0"/>
+                                  </p:stCondLst>
+                                  <p:childTnLst>
+                                    <p:set>
+                                      <p:cBhvr>
+                                        <p:cTn id="16" dur="1" fill="hold">
+                                          <p:stCondLst>
+                                            <p:cond delay="0"/>
+                                          </p:stCondLst>
+                                        </p:cTn>
+                                        <p:tgtEl>
+                                          <p:spTgt spid="3">
+                                            <p:txEl>
+                                              <p:pRg st="2" end="2"/>
+                                            </p:txEl>
+                                          </p:spTgt>
+                                        </p:tgtEl>
+                                        <p:attrNameLst>
+                                          <p:attrName>style.visibility</p:attrName>
+                                        </p:attrNameLst>
+                                      </p:cBhvr>
+                                      <p:to>
+                                        <p:strVal val="visible"/>
+                                      </p:to>
+                                    </p:set>
+                                    <p:animEffect transition="in" filter="fade">
+                                      <p:cBhvr>
+                                        <p:cTn id="17" dur="500"/>
+                                        <p:tgtEl>
+                                          <p:spTgt spid="3">
+                                            <p:txEl>
+                                              <p:pRg st="2" end="2"/>
+                                            </p:txEl>
+                                          </p:spTgt>
+                                        </p:tgtEl>
+                                      </p:cBhvr>
+                                    </p:animEffect>
+                                  </p:childTnLst>
+                                </p:cTn>
+                              </p:par>
+                            </p:childTnLst>
+                          </p:cTn>
+                        </p:par>
+                      </p:childTnLst>
+                    </p:cTn>
+                  </p:par>
+                  <p:par>
+                    <p:cTn id="18" fill="hold">
+                      <p:stCondLst>
+                        <p:cond delay="indefinite"/>
+                      </p:stCondLst>
+                      <p:childTnLst>
+                        <p:par>
+                          <p:cTn id="19" fill="hold">
+                            <p:stCondLst>
+                              <p:cond delay="0"/>
+                            </p:stCondLst>
+                            <p:childTnLst>
+                              <p:par>
+                                <p:cTn id="20" presetID="10" presetClass="entr" presetSubtype="0" fill="hold" grpId="0" nodeType="clickEffect">
+                                  <p:stCondLst>
+                                    <p:cond delay="0"/>
+                                  </p:stCondLst>
+                                  <p:childTnLst>
+                                    <p:set>
+                                      <p:cBhvr>
+                                        <p:cTn id="21" dur="1" fill="hold">
+                                          <p:stCondLst>
+                                            <p:cond delay="0"/>
+                                          </p:stCondLst>
+                                        </p:cTn>
+                                        <p:tgtEl>
+                                          <p:spTgt spid="3">
+                                            <p:txEl>
+                                              <p:pRg st="3" end="3"/>
+                                            </p:txEl>
+                                          </p:spTgt>
+                                        </p:tgtEl>
+                                        <p:attrNameLst>
+                                          <p:attrName>style.visibility</p:attrName>
+                                        </p:attrNameLst>
+                                      </p:cBhvr>
+                                      <p:to>
+                                        <p:strVal val="visible"/>
+                                      </p:to>
+                                    </p:set>
+                                    <p:animEffect transition="in" filter="fade">
+                                      <p:cBhvr>
+                                        <p:cTn id="22" dur="500"/>
+                                        <p:tgtEl>
+                                          <p:spTgt spid="3">
+                                            <p:txEl>
+                                              <p:pRg st="3" end="3"/>
+                                            </p:txEl>
+                                          </p:spTgt>
+                                        </p:tgtEl>
+                                      </p:cBhvr>
+                                    </p:animEffect>
+                                  </p:childTnLst>
+                                </p:cTn>
+                              </p:par>
+                            </p:childTnLst>
+                          </p:cTn>
+                        </p:par>
+                      </p:childTnLst>
+                    </p:cTn>
+                  </p:par>
+                  <p:par>
+                    <p:cTn id="23" fill="hold">
+                      <p:stCondLst>
+                        <p:cond delay="indefinite"/>
+                      </p:stCondLst>
+                      <p:childTnLst>
+                        <p:par>
+                          <p:cTn id="24" fill="hold">
+                            <p:stCondLst>
+                              <p:cond delay="0"/>
+                            </p:stCondLst>
+                            <p:childTnLst>
+                              <p:par>
+                                <p:cTn id="25" presetID="10" presetClass="entr" presetSubtype="0" fill="hold" grpId="0" nodeType="clickEffect">
+                                  <p:stCondLst>
+                                    <p:cond delay="0"/>
+                                  </p:stCondLst>
+                                  <p:childTnLst>
+                                    <p:set>
+                                      <p:cBhvr>
+                                        <p:cTn id="26" dur="1" fill="hold">
+                                          <p:stCondLst>
+                                            <p:cond delay="0"/>
+                                          </p:stCondLst>
+                                        </p:cTn>
+                                        <p:tgtEl>
+                                          <p:spTgt spid="3">
+                                            <p:txEl>
+                                              <p:pRg st="4" end="4"/>
+                                            </p:txEl>
+                                          </p:spTgt>
+                                        </p:tgtEl>
+                                        <p:attrNameLst>
+                                          <p:attrName>style.visibility</p:attrName>
+                                        </p:attrNameLst>
+                                      </p:cBhvr>
+                                      <p:to>
+                                        <p:strVal val="visible"/>
+                                      </p:to>
+                                    </p:set>
+                                    <p:animEffect transition="in" filter="fade">
+                                      <p:cBhvr>
+                                        <p:cTn id="27" dur="500"/>
+                                        <p:tgtEl>
+                                          <p:spTgt spid="3">
+                                            <p:txEl>
+                                              <p:pRg st="4" end="4"/>
+                                            </p:txEl>
+                                          </p:spTgt>
+                                        </p:tgtEl>
+                                      </p:cBhvr>
+                                    </p:animEffect>
+                                  </p:childTnLst>
+                                </p:cTn>
+                              </p:par>
+                            </p:childTnLst>
+                          </p:cTn>
+                        </p:par>
+                      </p:childTnLst>
+                    </p:cTn>
+                  </p:par>
+                  <p:par>
+                    <p:cTn id="28" fill="hold">
+                      <p:stCondLst>
+                        <p:cond delay="indefinite"/>
+                      </p:stCondLst>
+                      <p:childTnLst>
+                        <p:par>
+                          <p:cTn id="29" fill="hold">
+                            <p:stCondLst>
+                              <p:cond delay="0"/>
+                            </p:stCondLst>
+                            <p:childTnLst>
+                              <p:par>
+                                <p:cTn id="30" presetID="10" presetClass="entr" presetSubtype="0" fill="hold" grpId="0" nodeType="clickEffect">
+                                  <p:stCondLst>
+                                    <p:cond delay="0"/>
+                                  </p:stCondLst>
+                                  <p:childTnLst>
+                                    <p:set>
+                                      <p:cBhvr>
+                                        <p:cTn id="31" dur="1" fill="hold">
+                                          <p:stCondLst>
+                                            <p:cond delay="0"/>
+                                          </p:stCondLst>
+                                        </p:cTn>
+                                        <p:tgtEl>
+                                          <p:spTgt spid="3">
+                                            <p:txEl>
+                                              <p:pRg st="5" end="5"/>
+                                            </p:txEl>
+                                          </p:spTgt>
+                                        </p:tgtEl>
+                                        <p:attrNameLst>
+                                          <p:attrName>style.visibility</p:attrName>
+                                        </p:attrNameLst>
+                                      </p:cBhvr>
+                                      <p:to>
+                                        <p:strVal val="visible"/>
+                                      </p:to>
+                                    </p:set>
+                                    <p:animEffect transition="in" filter="fade">
+                                      <p:cBhvr>
+                                        <p:cTn id="32" dur="500"/>
+                                        <p:tgtEl>
+                                          <p:spTgt spid="3">
+                                            <p:txEl>
+                                              <p:pRg st="5" end="5"/>
+                                            </p:txEl>
+                                          </p:spTgt>
+                                        </p:tgtEl>
+                                      </p:cBhvr>
+                                    </p:animEffect>
+                                  </p:childTnLst>
+                                </p:cTn>
+                              </p:par>
+                            </p:childTnLst>
+                          </p:cTn>
+                        </p:par>
+                      </p:childTnLst>
+                    </p:cTn>
+                  </p:par>
+                  <p:par>
+                    <p:cTn id="33" fill="hold">
+                      <p:stCondLst>
+                        <p:cond delay="indefinite"/>
+                      </p:stCondLst>
+                      <p:childTnLst>
+                        <p:par>
+                          <p:cTn id="34" fill="hold">
+                            <p:stCondLst>
+                              <p:cond delay="0"/>
+                            </p:stCondLst>
+                            <p:childTnLst>
+                              <p:par>
+                                <p:cTn id="35" presetID="10" presetClass="entr" presetSubtype="0" fill="hold" grpId="0" nodeType="clickEffect">
+                                  <p:stCondLst>
+                                    <p:cond delay="0"/>
+                                  </p:stCondLst>
+                                  <p:childTnLst>
+                                    <p:set>
+                                      <p:cBhvr>
+                                        <p:cTn id="36" dur="1" fill="hold">
+                                          <p:stCondLst>
+                                            <p:cond delay="0"/>
+                                          </p:stCondLst>
+                                        </p:cTn>
+                                        <p:tgtEl>
+                                          <p:spTgt spid="3">
+                                            <p:txEl>
+                                              <p:pRg st="6" end="6"/>
+                                            </p:txEl>
+                                          </p:spTgt>
+                                        </p:tgtEl>
+                                        <p:attrNameLst>
+                                          <p:attrName>style.visibility</p:attrName>
+                                        </p:attrNameLst>
+                                      </p:cBhvr>
+                                      <p:to>
+                                        <p:strVal val="visible"/>
+                                      </p:to>
+                                    </p:set>
+                                    <p:animEffect transition="in" filter="fade">
+                                      <p:cBhvr>
+                                        <p:cTn id="37" dur="500"/>
+                                        <p:tgtEl>
+                                          <p:spTgt spid="3">
+                                            <p:txEl>
+                                              <p:pRg st="6" end="6"/>
+                                            </p:txEl>
+                                          </p:spTgt>
+                                        </p:tgtEl>
+                                      </p:cBhvr>
+                                    </p:animEffect>
+                                  </p:childTnLst>
+                                </p:cTn>
+                              </p:par>
+                            </p:childTnLst>
+                          </p:cTn>
+                        </p:par>
+                      </p:childTnLst>
+                    </p:cTn>
+                  </p:par>
+                  <p:par>
+                    <p:cTn id="38" fill="hold">
+                      <p:stCondLst>
+                        <p:cond delay="indefinite"/>
+                      </p:stCondLst>
+                      <p:childTnLst>
+                        <p:par>
+                          <p:cTn id="39" fill="hold">
+                            <p:stCondLst>
+                              <p:cond delay="0"/>
+                            </p:stCondLst>
+                            <p:childTnLst>
+                              <p:par>
+                                <p:cTn id="40" presetID="10" presetClass="entr" presetSubtype="0" fill="hold" grpId="0" nodeType="clickEffect">
+                                  <p:stCondLst>
+                                    <p:cond delay="0"/>
+                                  </p:stCondLst>
+                                  <p:childTnLst>
+                                    <p:set>
+                                      <p:cBhvr>
+                                        <p:cTn id="41" dur="1" fill="hold">
+                                          <p:stCondLst>
+                                            <p:cond delay="0"/>
+                                          </p:stCondLst>
+                                        </p:cTn>
+                                        <p:tgtEl>
+                                          <p:spTgt spid="3">
+                                            <p:txEl>
+                                              <p:pRg st="7" end="7"/>
+                                            </p:txEl>
+                                          </p:spTgt>
+                                        </p:tgtEl>
+                                        <p:attrNameLst>
+                                          <p:attrName>style.visibility</p:attrName>
+                                        </p:attrNameLst>
+                                      </p:cBhvr>
+                                      <p:to>
+                                        <p:strVal val="visible"/>
+                                      </p:to>
+                                    </p:set>
+                                    <p:animEffect transition="in" filter="fade">
+                                      <p:cBhvr>
+                                        <p:cTn id="42" dur="500"/>
+                                        <p:tgtEl>
+                                          <p:spTgt spid="3">
+                                            <p:txEl>
+                                              <p:pRg st="7" end="7"/>
+                                            </p:txEl>
+                                          </p:spTgt>
+                                        </p:tgtEl>
+                                      </p:cBhvr>
+                                    </p:animEffect>
+                                  </p:childTnLst>
+                                </p:cTn>
+                              </p:par>
+                            </p:childTnLst>
+                          </p:cTn>
+                        </p:par>
+                      </p:childTnLst>
+                    </p:cTn>
+                  </p:par>
+                  <p:par>
+                    <p:cTn id="43" fill="hold">
+                      <p:stCondLst>
+                        <p:cond delay="indefinite"/>
+                      </p:stCondLst>
+                      <p:childTnLst>
+                        <p:par>
+                          <p:cTn id="44" fill="hold">
+                            <p:stCondLst>
+                              <p:cond delay="0"/>
+                            </p:stCondLst>
+                            <p:childTnLst>
+                              <p:par>
+                                <p:cTn id="45" presetID="10" presetClass="entr" presetSubtype="0" fill="hold" grpId="0" nodeType="clickEffect">
+                                  <p:stCondLst>
+                                    <p:cond delay="0"/>
+                                  </p:stCondLst>
+                                  <p:childTnLst>
+                                    <p:set>
+                                      <p:cBhvr>
+                                        <p:cTn id="46" dur="1" fill="hold">
+                                          <p:stCondLst>
+                                            <p:cond delay="0"/>
+                                          </p:stCondLst>
+                                        </p:cTn>
+                                        <p:tgtEl>
+                                          <p:spTgt spid="3">
+                                            <p:txEl>
+                                              <p:pRg st="8" end="8"/>
+                                            </p:txEl>
+                                          </p:spTgt>
+                                        </p:tgtEl>
+                                        <p:attrNameLst>
+                                          <p:attrName>style.visibility</p:attrName>
+                                        </p:attrNameLst>
+                                      </p:cBhvr>
+                                      <p:to>
+                                        <p:strVal val="visible"/>
+                                      </p:to>
+                                    </p:set>
+                                    <p:animEffect transition="in" filter="fade">
+                                      <p:cBhvr>
+                                        <p:cTn id="47" dur="500"/>
+                                        <p:tgtEl>
+                                          <p:spTgt spid="3">
+                                            <p:txEl>
+                                              <p:pRg st="8" end="8"/>
+                                            </p:txEl>
+                                          </p:spTgt>
+                                        </p:tgtEl>
+                                      </p:cBhvr>
+                                    </p:animEffect>
+                                  </p:childTnLst>
+                                </p:cTn>
+                              </p:par>
+                            </p:childTnLst>
+                          </p:cTn>
+                        </p:par>
+                      </p:childTnLst>
+                    </p:cTn>
+                  </p:par>
+                  <p:par>
+                    <p:cTn id="48" fill="hold">
+                      <p:stCondLst>
+                        <p:cond delay="indefinite"/>
+                      </p:stCondLst>
+                      <p:childTnLst>
+                        <p:par>
+                          <p:cTn id="49" fill="hold">
+                            <p:stCondLst>
+                              <p:cond delay="0"/>
+                            </p:stCondLst>
+                            <p:childTnLst>
+                              <p:par>
+                                <p:cTn id="50" presetID="10" presetClass="entr" presetSubtype="0" fill="hold" grpId="0" nodeType="clickEffect">
+                                  <p:stCondLst>
+                                    <p:cond delay="0"/>
+                                  </p:stCondLst>
+                                  <p:childTnLst>
+                                    <p:set>
+                                      <p:cBhvr>
+                                        <p:cTn id="51" dur="1" fill="hold">
+                                          <p:stCondLst>
+                                            <p:cond delay="0"/>
+                                          </p:stCondLst>
+                                        </p:cTn>
+                                        <p:tgtEl>
+                                          <p:spTgt spid="3">
+                                            <p:txEl>
+                                              <p:pRg st="9" end="9"/>
+                                            </p:txEl>
+                                          </p:spTgt>
+                                        </p:tgtEl>
+                                        <p:attrNameLst>
+                                          <p:attrName>style.visibility</p:attrName>
+                                        </p:attrNameLst>
+                                      </p:cBhvr>
+                                      <p:to>
+                                        <p:strVal val="visible"/>
+                                      </p:to>
+                                    </p:set>
+                                    <p:animEffect transition="in" filter="fade">
+                                      <p:cBhvr>
+                                        <p:cTn id="52" dur="500"/>
+                                        <p:tgtEl>
+                                          <p:spTgt spid="3">
+                                            <p:txEl>
+                                              <p:pRg st="9" end="9"/>
+                                            </p:txEl>
+                                          </p:spTgt>
+                                        </p:tgtEl>
+                                      </p:cBhvr>
+                                    </p:animEffect>
+                                  </p:childTnLst>
+                                </p:cTn>
+                              </p:par>
+                            </p:childTnLst>
+                          </p:cTn>
+                        </p:par>
+                      </p:childTnLst>
+                    </p:cTn>
+                  </p:par>
+                </p:childTnLst>
+              </p:cTn>
+              <p:prevCondLst>
+                <p:cond evt="onPrev" delay="0">
+                  <p:tgtEl>
+                    <p:sldTgt/>
+                  </p:tgtEl>
+                </p:cond>
+              </p:prevCondLst>
+              <p:nextCondLst>
+                <p:cond evt="onNext" delay="0">
+                  <p:tgtEl>
+                    <p:sldTgt/>
+                  </p:tgtEl>
+                </p:cond>
+              </p:nextCondLst>
+            </p:seq>
+          </p:childTnLst>
+        </p:cTn>
+      </p:par>
+    </p:tnLst>
+    <p:bldLst>
+      <p:bldP spid="3" grpId="0" uiExpand="1" build="p"/>
+    </p:bldLst>
+  </p:timing>
 </p:sld>
 </file>
 
@@ -23203,15 +24410,33 @@
                                   </p:childTnLst>
                                 </p:cTn>
                               </p:par>
+                            </p:childTnLst>
+                          </p:cTn>
+                        </p:par>
+                      </p:childTnLst>
+                    </p:cTn>
+                  </p:par>
+                  <p:par>
+                    <p:cTn id="30" fill="hold">
+                      <p:stCondLst>
+                        <p:cond delay="indefinite"/>
+                      </p:stCondLst>
+                      <p:childTnLst>
+                        <p:par>
+                          <p:cTn id="31" fill="hold">
+                            <p:stCondLst>
+                              <p:cond delay="0"/>
+                            </p:stCondLst>
+                            <p:childTnLst>
                               <p:par>
-                                <p:cTn id="30" presetID="10" presetClass="entr" presetSubtype="0" fill="hold" grpId="0" nodeType="withEffect">
+                                <p:cTn id="32" presetID="10" presetClass="entr" presetSubtype="0" fill="hold" grpId="0" nodeType="clickEffect">
                                   <p:stCondLst>
                                     <p:cond delay="0"/>
                                   </p:stCondLst>
                                   <p:childTnLst>
                                     <p:set>
                                       <p:cBhvr>
-                                        <p:cTn id="31" dur="1" fill="hold">
+                                        <p:cTn id="33" dur="1" fill="hold">
                                           <p:stCondLst>
                                             <p:cond delay="0"/>
                                           </p:stCondLst>
@@ -23233,54 +24458,11 @@
                                     </p:set>
                                     <p:animEffect transition="in" filter="fade">
                                       <p:cBhvr>
-                                        <p:cTn id="32" dur="500"/>
+                                        <p:cTn id="34" dur="500"/>
                                         <p:tgtEl>
                                           <p:spTgt spid="3">
                                             <p:txEl>
                                               <p:pRg st="7" end="7"/>
-                                            </p:txEl>
-                                          </p:spTgt>
-                                        </p:tgtEl>
-                                      </p:cBhvr>
-                                    </p:animEffect>
-                                  </p:childTnLst>
-                                </p:cTn>
-                              </p:par>
-                              <p:par>
-                                <p:cTn id="33" presetID="10" presetClass="entr" presetSubtype="0" fill="hold" grpId="0" nodeType="withEffect">
-                                  <p:stCondLst>
-                                    <p:cond delay="0"/>
-                                  </p:stCondLst>
-                                  <p:childTnLst>
-                                    <p:set>
-                                      <p:cBhvr>
-                                        <p:cTn id="34" dur="1" fill="hold">
-                                          <p:stCondLst>
-                                            <p:cond delay="0"/>
-                                          </p:stCondLst>
-                                        </p:cTn>
-                                        <p:tgtEl>
-                                          <p:spTgt spid="3">
-                                            <p:txEl>
-                                              <p:pRg st="8" end="8"/>
-                                            </p:txEl>
-                                          </p:spTgt>
-                                        </p:tgtEl>
-                                        <p:attrNameLst>
-                                          <p:attrName>style.visibility</p:attrName>
-                                        </p:attrNameLst>
-                                      </p:cBhvr>
-                                      <p:to>
-                                        <p:strVal val="visible"/>
-                                      </p:to>
-                                    </p:set>
-                                    <p:animEffect transition="in" filter="fade">
-                                      <p:cBhvr>
-                                        <p:cTn id="35" dur="500"/>
-                                        <p:tgtEl>
-                                          <p:spTgt spid="3">
-                                            <p:txEl>
-                                              <p:pRg st="8" end="8"/>
                                             </p:txEl>
                                           </p:spTgt>
                                         </p:tgtEl>
@@ -23296,26 +24478,26 @@
                     </p:cTn>
                   </p:par>
                   <p:par>
-                    <p:cTn id="36" fill="hold">
+                    <p:cTn id="35" fill="hold">
                       <p:stCondLst>
                         <p:cond delay="indefinite"/>
                       </p:stCondLst>
                       <p:childTnLst>
                         <p:par>
-                          <p:cTn id="37" fill="hold">
+                          <p:cTn id="36" fill="hold">
                             <p:stCondLst>
                               <p:cond delay="0"/>
                             </p:stCondLst>
                             <p:childTnLst>
                               <p:par>
-                                <p:cTn id="38" presetID="10" presetClass="entr" presetSubtype="0" fill="hold" grpId="0" nodeType="clickEffect">
+                                <p:cTn id="37" presetID="10" presetClass="entr" presetSubtype="0" fill="hold" grpId="0" nodeType="clickEffect">
                                   <p:stCondLst>
                                     <p:cond delay="0"/>
                                   </p:stCondLst>
                                   <p:childTnLst>
                                     <p:set>
                                       <p:cBhvr>
-                                        <p:cTn id="39" dur="1" fill="hold">
+                                        <p:cTn id="38" dur="1" fill="hold">
                                           <p:stCondLst>
                                             <p:cond delay="0"/>
                                           </p:stCondLst>
@@ -23323,7 +24505,7 @@
                                         <p:tgtEl>
                                           <p:spTgt spid="3">
                                             <p:txEl>
-                                              <p:pRg st="9" end="9"/>
+                                              <p:pRg st="8" end="8"/>
                                             </p:txEl>
                                           </p:spTgt>
                                         </p:tgtEl>
@@ -23337,11 +24519,11 @@
                                     </p:set>
                                     <p:animEffect transition="in" filter="fade">
                                       <p:cBhvr>
-                                        <p:cTn id="40" dur="500"/>
+                                        <p:cTn id="39" dur="500"/>
                                         <p:tgtEl>
                                           <p:spTgt spid="3">
                                             <p:txEl>
-                                              <p:pRg st="9" end="9"/>
+                                              <p:pRg st="8" end="8"/>
                                             </p:txEl>
                                           </p:spTgt>
                                         </p:tgtEl>
@@ -23357,26 +24539,87 @@
                     </p:cTn>
                   </p:par>
                   <p:par>
-                    <p:cTn id="41" fill="hold">
+                    <p:cTn id="40" fill="hold">
                       <p:stCondLst>
                         <p:cond delay="indefinite"/>
                       </p:stCondLst>
                       <p:childTnLst>
                         <p:par>
-                          <p:cTn id="42" fill="hold">
+                          <p:cTn id="41" fill="hold">
                             <p:stCondLst>
                               <p:cond delay="0"/>
                             </p:stCondLst>
                             <p:childTnLst>
                               <p:par>
-                                <p:cTn id="43" presetID="10" presetClass="entr" presetSubtype="0" fill="hold" grpId="0" nodeType="clickEffect">
+                                <p:cTn id="42" presetID="10" presetClass="entr" presetSubtype="0" fill="hold" grpId="0" nodeType="clickEffect">
                                   <p:stCondLst>
                                     <p:cond delay="0"/>
                                   </p:stCondLst>
                                   <p:childTnLst>
                                     <p:set>
                                       <p:cBhvr>
-                                        <p:cTn id="44" dur="1" fill="hold">
+                                        <p:cTn id="43" dur="1" fill="hold">
+                                          <p:stCondLst>
+                                            <p:cond delay="0"/>
+                                          </p:stCondLst>
+                                        </p:cTn>
+                                        <p:tgtEl>
+                                          <p:spTgt spid="3">
+                                            <p:txEl>
+                                              <p:pRg st="9" end="9"/>
+                                            </p:txEl>
+                                          </p:spTgt>
+                                        </p:tgtEl>
+                                        <p:attrNameLst>
+                                          <p:attrName>style.visibility</p:attrName>
+                                        </p:attrNameLst>
+                                      </p:cBhvr>
+                                      <p:to>
+                                        <p:strVal val="visible"/>
+                                      </p:to>
+                                    </p:set>
+                                    <p:animEffect transition="in" filter="fade">
+                                      <p:cBhvr>
+                                        <p:cTn id="44" dur="500"/>
+                                        <p:tgtEl>
+                                          <p:spTgt spid="3">
+                                            <p:txEl>
+                                              <p:pRg st="9" end="9"/>
+                                            </p:txEl>
+                                          </p:spTgt>
+                                        </p:tgtEl>
+                                      </p:cBhvr>
+                                    </p:animEffect>
+                                  </p:childTnLst>
+                                </p:cTn>
+                              </p:par>
+                            </p:childTnLst>
+                          </p:cTn>
+                        </p:par>
+                      </p:childTnLst>
+                    </p:cTn>
+                  </p:par>
+                  <p:par>
+                    <p:cTn id="45" fill="hold">
+                      <p:stCondLst>
+                        <p:cond delay="indefinite"/>
+                      </p:stCondLst>
+                      <p:childTnLst>
+                        <p:par>
+                          <p:cTn id="46" fill="hold">
+                            <p:stCondLst>
+                              <p:cond delay="0"/>
+                            </p:stCondLst>
+                            <p:childTnLst>
+                              <p:par>
+                                <p:cTn id="47" presetID="10" presetClass="entr" presetSubtype="0" fill="hold" grpId="0" nodeType="clickEffect">
+                                  <p:stCondLst>
+                                    <p:cond delay="0"/>
+                                  </p:stCondLst>
+                                  <p:childTnLst>
+                                    <p:set>
+                                      <p:cBhvr>
+                                        <p:cTn id="48" dur="1" fill="hold">
                                           <p:stCondLst>
                                             <p:cond delay="0"/>
                                           </p:stCondLst>
@@ -23398,7 +24641,7 @@
                                     </p:set>
                                     <p:animEffect transition="in" filter="fade">
                                       <p:cBhvr>
-                                        <p:cTn id="45" dur="500"/>
+                                        <p:cTn id="49" dur="500"/>
                                         <p:tgtEl>
                                           <p:spTgt spid="3">
                                             <p:txEl>
@@ -23682,6 +24925,333 @@
   <p:clrMapOvr>
     <a:masterClrMapping/>
   </p:clrMapOvr>
+  <p:timing>
+    <p:tnLst>
+      <p:par>
+        <p:cTn id="1" dur="indefinite" restart="never" nodeType="tmRoot">
+          <p:childTnLst>
+            <p:seq concurrent="1" nextAc="seek">
+              <p:cTn id="2" dur="indefinite" nodeType="mainSeq">
+                <p:childTnLst>
+                  <p:par>
+                    <p:cTn id="3" fill="hold">
+                      <p:stCondLst>
+                        <p:cond delay="indefinite"/>
+                      </p:stCondLst>
+                      <p:childTnLst>
+                        <p:par>
+                          <p:cTn id="4" fill="hold">
+                            <p:stCondLst>
+                              <p:cond delay="0"/>
+                            </p:stCondLst>
+                            <p:childTnLst>
+                              <p:par>
+                                <p:cTn id="5" presetID="1" presetClass="entr" presetSubtype="0" fill="hold" grpId="0" nodeType="clickEffect">
+                                  <p:stCondLst>
+                                    <p:cond delay="0"/>
+                                  </p:stCondLst>
+                                  <p:childTnLst>
+                                    <p:set>
+                                      <p:cBhvr>
+                                        <p:cTn id="6" dur="1" fill="hold">
+                                          <p:stCondLst>
+                                            <p:cond delay="0"/>
+                                          </p:stCondLst>
+                                        </p:cTn>
+                                        <p:tgtEl>
+                                          <p:spTgt spid="3">
+                                            <p:txEl>
+                                              <p:pRg st="0" end="0"/>
+                                            </p:txEl>
+                                          </p:spTgt>
+                                        </p:tgtEl>
+                                        <p:attrNameLst>
+                                          <p:attrName>style.visibility</p:attrName>
+                                        </p:attrNameLst>
+                                      </p:cBhvr>
+                                      <p:to>
+                                        <p:strVal val="visible"/>
+                                      </p:to>
+                                    </p:set>
+                                  </p:childTnLst>
+                                </p:cTn>
+                              </p:par>
+                            </p:childTnLst>
+                          </p:cTn>
+                        </p:par>
+                      </p:childTnLst>
+                    </p:cTn>
+                  </p:par>
+                  <p:par>
+                    <p:cTn id="7" fill="hold">
+                      <p:stCondLst>
+                        <p:cond delay="indefinite"/>
+                      </p:stCondLst>
+                      <p:childTnLst>
+                        <p:par>
+                          <p:cTn id="8" fill="hold">
+                            <p:stCondLst>
+                              <p:cond delay="0"/>
+                            </p:stCondLst>
+                            <p:childTnLst>
+                              <p:par>
+                                <p:cTn id="9" presetID="1" presetClass="entr" presetSubtype="0" fill="hold" grpId="0" nodeType="clickEffect">
+                                  <p:stCondLst>
+                                    <p:cond delay="0"/>
+                                  </p:stCondLst>
+                                  <p:childTnLst>
+                                    <p:set>
+                                      <p:cBhvr>
+                                        <p:cTn id="10" dur="1" fill="hold">
+                                          <p:stCondLst>
+                                            <p:cond delay="0"/>
+                                          </p:stCondLst>
+                                        </p:cTn>
+                                        <p:tgtEl>
+                                          <p:spTgt spid="3">
+                                            <p:txEl>
+                                              <p:pRg st="1" end="1"/>
+                                            </p:txEl>
+                                          </p:spTgt>
+                                        </p:tgtEl>
+                                        <p:attrNameLst>
+                                          <p:attrName>style.visibility</p:attrName>
+                                        </p:attrNameLst>
+                                      </p:cBhvr>
+                                      <p:to>
+                                        <p:strVal val="visible"/>
+                                      </p:to>
+                                    </p:set>
+                                  </p:childTnLst>
+                                </p:cTn>
+                              </p:par>
+                            </p:childTnLst>
+                          </p:cTn>
+                        </p:par>
+                      </p:childTnLst>
+                    </p:cTn>
+                  </p:par>
+                  <p:par>
+                    <p:cTn id="11" fill="hold">
+                      <p:stCondLst>
+                        <p:cond delay="indefinite"/>
+                      </p:stCondLst>
+                      <p:childTnLst>
+                        <p:par>
+                          <p:cTn id="12" fill="hold">
+                            <p:stCondLst>
+                              <p:cond delay="0"/>
+                            </p:stCondLst>
+                            <p:childTnLst>
+                              <p:par>
+                                <p:cTn id="13" presetID="1" presetClass="entr" presetSubtype="0" fill="hold" grpId="0" nodeType="clickEffect">
+                                  <p:stCondLst>
+                                    <p:cond delay="0"/>
+                                  </p:stCondLst>
+                                  <p:childTnLst>
+                                    <p:set>
+                                      <p:cBhvr>
+                                        <p:cTn id="14" dur="1" fill="hold">
+                                          <p:stCondLst>
+                                            <p:cond delay="0"/>
+                                          </p:stCondLst>
+                                        </p:cTn>
+                                        <p:tgtEl>
+                                          <p:spTgt spid="3">
+                                            <p:txEl>
+                                              <p:pRg st="2" end="2"/>
+                                            </p:txEl>
+                                          </p:spTgt>
+                                        </p:tgtEl>
+                                        <p:attrNameLst>
+                                          <p:attrName>style.visibility</p:attrName>
+                                        </p:attrNameLst>
+                                      </p:cBhvr>
+                                      <p:to>
+                                        <p:strVal val="visible"/>
+                                      </p:to>
+                                    </p:set>
+                                  </p:childTnLst>
+                                </p:cTn>
+                              </p:par>
+                            </p:childTnLst>
+                          </p:cTn>
+                        </p:par>
+                      </p:childTnLst>
+                    </p:cTn>
+                  </p:par>
+                  <p:par>
+                    <p:cTn id="15" fill="hold">
+                      <p:stCondLst>
+                        <p:cond delay="indefinite"/>
+                      </p:stCondLst>
+                      <p:childTnLst>
+                        <p:par>
+                          <p:cTn id="16" fill="hold">
+                            <p:stCondLst>
+                              <p:cond delay="0"/>
+                            </p:stCondLst>
+                            <p:childTnLst>
+                              <p:par>
+                                <p:cTn id="17" presetID="1" presetClass="entr" presetSubtype="0" fill="hold" grpId="0" nodeType="clickEffect">
+                                  <p:stCondLst>
+                                    <p:cond delay="0"/>
+                                  </p:stCondLst>
+                                  <p:childTnLst>
+                                    <p:set>
+                                      <p:cBhvr>
+                                        <p:cTn id="18" dur="1" fill="hold">
+                                          <p:stCondLst>
+                                            <p:cond delay="0"/>
+                                          </p:stCondLst>
+                                        </p:cTn>
+                                        <p:tgtEl>
+                                          <p:spTgt spid="3">
+                                            <p:txEl>
+                                              <p:pRg st="3" end="3"/>
+                                            </p:txEl>
+                                          </p:spTgt>
+                                        </p:tgtEl>
+                                        <p:attrNameLst>
+                                          <p:attrName>style.visibility</p:attrName>
+                                        </p:attrNameLst>
+                                      </p:cBhvr>
+                                      <p:to>
+                                        <p:strVal val="visible"/>
+                                      </p:to>
+                                    </p:set>
+                                  </p:childTnLst>
+                                </p:cTn>
+                              </p:par>
+                            </p:childTnLst>
+                          </p:cTn>
+                        </p:par>
+                      </p:childTnLst>
+                    </p:cTn>
+                  </p:par>
+                  <p:par>
+                    <p:cTn id="19" fill="hold">
+                      <p:stCondLst>
+                        <p:cond delay="indefinite"/>
+                      </p:stCondLst>
+                      <p:childTnLst>
+                        <p:par>
+                          <p:cTn id="20" fill="hold">
+                            <p:stCondLst>
+                              <p:cond delay="0"/>
+                            </p:stCondLst>
+                            <p:childTnLst>
+                              <p:par>
+                                <p:cTn id="21" presetID="1" presetClass="entr" presetSubtype="0" fill="hold" grpId="0" nodeType="clickEffect">
+                                  <p:stCondLst>
+                                    <p:cond delay="0"/>
+                                  </p:stCondLst>
+                                  <p:childTnLst>
+                                    <p:set>
+                                      <p:cBhvr>
+                                        <p:cTn id="22" dur="1" fill="hold">
+                                          <p:stCondLst>
+                                            <p:cond delay="0"/>
+                                          </p:stCondLst>
+                                        </p:cTn>
+                                        <p:tgtEl>
+                                          <p:spTgt spid="3">
+                                            <p:txEl>
+                                              <p:pRg st="4" end="4"/>
+                                            </p:txEl>
+                                          </p:spTgt>
+                                        </p:tgtEl>
+                                        <p:attrNameLst>
+                                          <p:attrName>style.visibility</p:attrName>
+                                        </p:attrNameLst>
+                                      </p:cBhvr>
+                                      <p:to>
+                                        <p:strVal val="visible"/>
+                                      </p:to>
+                                    </p:set>
+                                  </p:childTnLst>
+                                </p:cTn>
+                              </p:par>
+                            </p:childTnLst>
+                          </p:cTn>
+                        </p:par>
+                      </p:childTnLst>
+                    </p:cTn>
+                  </p:par>
+                  <p:par>
+                    <p:cTn id="23" fill="hold">
+                      <p:stCondLst>
+                        <p:cond delay="indefinite"/>
+                      </p:stCondLst>
+                      <p:childTnLst>
+                        <p:par>
+                          <p:cTn id="24" fill="hold">
+                            <p:stCondLst>
+                              <p:cond delay="0"/>
+                            </p:stCondLst>
+                            <p:childTnLst>
+                              <p:par>
+                                <p:cTn id="25" presetID="1" presetClass="entr" presetSubtype="0" fill="hold" grpId="0" nodeType="clickEffect">
+                                  <p:stCondLst>
+                                    <p:cond delay="0"/>
+                                  </p:stCondLst>
+                                  <p:childTnLst>
+                                    <p:set>
+                                      <p:cBhvr>
+                                        <p:cTn id="26" dur="1" fill="hold">
+                                          <p:stCondLst>
+                                            <p:cond delay="0"/>
+                                          </p:stCondLst>
+                                        </p:cTn>
+                                        <p:tgtEl>
+                                          <p:spTgt spid="3">
+                                            <p:txEl>
+                                              <p:pRg st="5" end="5"/>
+                                            </p:txEl>
+                                          </p:spTgt>
+                                        </p:tgtEl>
+                                        <p:attrNameLst>
+                                          <p:attrName>style.visibility</p:attrName>
+                                        </p:attrNameLst>
+                                      </p:cBhvr>
+                                      <p:to>
+                                        <p:strVal val="visible"/>
+                                      </p:to>
+                                    </p:set>
+                                  </p:childTnLst>
+                                </p:cTn>
+                              </p:par>
+                            </p:childTnLst>
+                          </p:cTn>
+                        </p:par>
+                      </p:childTnLst>
+                    </p:cTn>
+                  </p:par>
+                </p:childTnLst>
+              </p:cTn>
+              <p:prevCondLst>
+                <p:cond evt="onPrev" delay="0">
+                  <p:tgtEl>
+                    <p:sldTgt/>
+                  </p:tgtEl>
+                </p:cond>
+              </p:prevCondLst>
+              <p:nextCondLst>
+                <p:cond evt="onNext" delay="0">
+                  <p:tgtEl>
+                    <p:sldTgt/>
+                  </p:tgtEl>
+                </p:cond>
+              </p:nextCondLst>
+            </p:seq>
+          </p:childTnLst>
+        </p:cTn>
+      </p:par>
+    </p:tnLst>
+    <p:bldLst>
+      <p:bldP spid="3" grpId="0" uiExpand="1" build="p"/>
+    </p:bldLst>
+  </p:timing>
 </p:sld>
 </file>
 
@@ -23863,6 +25433,369 @@
   <p:clrMapOvr>
     <a:masterClrMapping/>
   </p:clrMapOvr>
+  <p:timing>
+    <p:tnLst>
+      <p:par>
+        <p:cTn id="1" dur="indefinite" restart="never" nodeType="tmRoot">
+          <p:childTnLst>
+            <p:seq concurrent="1" nextAc="seek">
+              <p:cTn id="2" dur="indefinite" nodeType="mainSeq">
+                <p:childTnLst>
+                  <p:par>
+                    <p:cTn id="3" fill="hold">
+                      <p:stCondLst>
+                        <p:cond delay="indefinite"/>
+                      </p:stCondLst>
+                      <p:childTnLst>
+                        <p:par>
+                          <p:cTn id="4" fill="hold">
+                            <p:stCondLst>
+                              <p:cond delay="0"/>
+                            </p:stCondLst>
+                            <p:childTnLst>
+                              <p:par>
+                                <p:cTn id="5" presetID="10" presetClass="entr" presetSubtype="0" fill="hold" grpId="0" nodeType="clickEffect">
+                                  <p:stCondLst>
+                                    <p:cond delay="0"/>
+                                  </p:stCondLst>
+                                  <p:childTnLst>
+                                    <p:set>
+                                      <p:cBhvr>
+                                        <p:cTn id="6" dur="1" fill="hold">
+                                          <p:stCondLst>
+                                            <p:cond delay="0"/>
+                                          </p:stCondLst>
+                                        </p:cTn>
+                                        <p:tgtEl>
+                                          <p:spTgt spid="3">
+                                            <p:txEl>
+                                              <p:pRg st="0" end="0"/>
+                                            </p:txEl>
+                                          </p:spTgt>
+                                        </p:tgtEl>
+                                        <p:attrNameLst>
+                                          <p:attrName>style.visibility</p:attrName>
+                                        </p:attrNameLst>
+                                      </p:cBhvr>
+                                      <p:to>
+                                        <p:strVal val="visible"/>
+                                      </p:to>
+                                    </p:set>
+                                    <p:animEffect transition="in" filter="fade">
+                                      <p:cBhvr>
+                                        <p:cTn id="7" dur="500"/>
+                                        <p:tgtEl>
+                                          <p:spTgt spid="3">
+                                            <p:txEl>
+                                              <p:pRg st="0" end="0"/>
+                                            </p:txEl>
+                                          </p:spTgt>
+                                        </p:tgtEl>
+                                      </p:cBhvr>
+                                    </p:animEffect>
+                                  </p:childTnLst>
+                                </p:cTn>
+                              </p:par>
+                            </p:childTnLst>
+                          </p:cTn>
+                        </p:par>
+                      </p:childTnLst>
+                    </p:cTn>
+                  </p:par>
+                  <p:par>
+                    <p:cTn id="8" fill="hold">
+                      <p:stCondLst>
+                        <p:cond delay="indefinite"/>
+                      </p:stCondLst>
+                      <p:childTnLst>
+                        <p:par>
+                          <p:cTn id="9" fill="hold">
+                            <p:stCondLst>
+                              <p:cond delay="0"/>
+                            </p:stCondLst>
+                            <p:childTnLst>
+                              <p:par>
+                                <p:cTn id="10" presetID="10" presetClass="entr" presetSubtype="0" fill="hold" grpId="0" nodeType="clickEffect">
+                                  <p:stCondLst>
+                                    <p:cond delay="0"/>
+                                  </p:stCondLst>
+                                  <p:childTnLst>
+                                    <p:set>
+                                      <p:cBhvr>
+                                        <p:cTn id="11" dur="1" fill="hold">
+                                          <p:stCondLst>
+                                            <p:cond delay="0"/>
+                                          </p:stCondLst>
+                                        </p:cTn>
+                                        <p:tgtEl>
+                                          <p:spTgt spid="3">
+                                            <p:txEl>
+                                              <p:pRg st="1" end="1"/>
+                                            </p:txEl>
+                                          </p:spTgt>
+                                        </p:tgtEl>
+                                        <p:attrNameLst>
+                                          <p:attrName>style.visibility</p:attrName>
+                                        </p:attrNameLst>
+                                      </p:cBhvr>
+                                      <p:to>
+                                        <p:strVal val="visible"/>
+                                      </p:to>
+                                    </p:set>
+                                    <p:animEffect transition="in" filter="fade">
+                                      <p:cBhvr>
+                                        <p:cTn id="12" dur="500"/>
+                                        <p:tgtEl>
+                                          <p:spTgt spid="3">
+                                            <p:txEl>
+                                              <p:pRg st="1" end="1"/>
+                                            </p:txEl>
+                                          </p:spTgt>
+                                        </p:tgtEl>
+                                      </p:cBhvr>
+                                    </p:animEffect>
+                                  </p:childTnLst>
+                                </p:cTn>
+                              </p:par>
+                              <p:par>
+                                <p:cTn id="13" presetID="10" presetClass="entr" presetSubtype="0" fill="hold" grpId="0" nodeType="withEffect">
+                                  <p:stCondLst>
+                                    <p:cond delay="0"/>
+                                  </p:stCondLst>
+                                  <p:childTnLst>
+                                    <p:set>
+                                      <p:cBhvr>
+                                        <p:cTn id="14" dur="1" fill="hold">
+                                          <p:stCondLst>
+                                            <p:cond delay="0"/>
+                                          </p:stCondLst>
+                                        </p:cTn>
+                                        <p:tgtEl>
+                                          <p:spTgt spid="3">
+                                            <p:txEl>
+                                              <p:pRg st="2" end="2"/>
+                                            </p:txEl>
+                                          </p:spTgt>
+                                        </p:tgtEl>
+                                        <p:attrNameLst>
+                                          <p:attrName>style.visibility</p:attrName>
+                                        </p:attrNameLst>
+                                      </p:cBhvr>
+                                      <p:to>
+                                        <p:strVal val="visible"/>
+                                      </p:to>
+                                    </p:set>
+                                    <p:animEffect transition="in" filter="fade">
+                                      <p:cBhvr>
+                                        <p:cTn id="15" dur="500"/>
+                                        <p:tgtEl>
+                                          <p:spTgt spid="3">
+                                            <p:txEl>
+                                              <p:pRg st="2" end="2"/>
+                                            </p:txEl>
+                                          </p:spTgt>
+                                        </p:tgtEl>
+                                      </p:cBhvr>
+                                    </p:animEffect>
+                                  </p:childTnLst>
+                                </p:cTn>
+                              </p:par>
+                            </p:childTnLst>
+                          </p:cTn>
+                        </p:par>
+                      </p:childTnLst>
+                    </p:cTn>
+                  </p:par>
+                  <p:par>
+                    <p:cTn id="16" fill="hold">
+                      <p:stCondLst>
+                        <p:cond delay="indefinite"/>
+                      </p:stCondLst>
+                      <p:childTnLst>
+                        <p:par>
+                          <p:cTn id="17" fill="hold">
+                            <p:stCondLst>
+                              <p:cond delay="0"/>
+                            </p:stCondLst>
+                            <p:childTnLst>
+                              <p:par>
+                                <p:cTn id="18" presetID="10" presetClass="entr" presetSubtype="0" fill="hold" grpId="0" nodeType="clickEffect">
+                                  <p:stCondLst>
+                                    <p:cond delay="0"/>
+                                  </p:stCondLst>
+                                  <p:childTnLst>
+                                    <p:set>
+                                      <p:cBhvr>
+                                        <p:cTn id="19" dur="1" fill="hold">
+                                          <p:stCondLst>
+                                            <p:cond delay="0"/>
+                                          </p:stCondLst>
+                                        </p:cTn>
+                                        <p:tgtEl>
+                                          <p:spTgt spid="3">
+                                            <p:txEl>
+                                              <p:pRg st="3" end="3"/>
+                                            </p:txEl>
+                                          </p:spTgt>
+                                        </p:tgtEl>
+                                        <p:attrNameLst>
+                                          <p:attrName>style.visibility</p:attrName>
+                                        </p:attrNameLst>
+                                      </p:cBhvr>
+                                      <p:to>
+                                        <p:strVal val="visible"/>
+                                      </p:to>
+                                    </p:set>
+                                    <p:animEffect transition="in" filter="fade">
+                                      <p:cBhvr>
+                                        <p:cTn id="20" dur="500"/>
+                                        <p:tgtEl>
+                                          <p:spTgt spid="3">
+                                            <p:txEl>
+                                              <p:pRg st="3" end="3"/>
+                                            </p:txEl>
+                                          </p:spTgt>
+                                        </p:tgtEl>
+                                      </p:cBhvr>
+                                    </p:animEffect>
+                                  </p:childTnLst>
+                                </p:cTn>
+                              </p:par>
+                            </p:childTnLst>
+                          </p:cTn>
+                        </p:par>
+                      </p:childTnLst>
+                    </p:cTn>
+                  </p:par>
+                  <p:par>
+                    <p:cTn id="21" fill="hold">
+                      <p:stCondLst>
+                        <p:cond delay="indefinite"/>
+                      </p:stCondLst>
+                      <p:childTnLst>
+                        <p:par>
+                          <p:cTn id="22" fill="hold">
+                            <p:stCondLst>
+                              <p:cond delay="0"/>
+                            </p:stCondLst>
+                            <p:childTnLst>
+                              <p:par>
+                                <p:cTn id="23" presetID="10" presetClass="entr" presetSubtype="0" fill="hold" grpId="0" nodeType="clickEffect">
+                                  <p:stCondLst>
+                                    <p:cond delay="0"/>
+                                  </p:stCondLst>
+                                  <p:childTnLst>
+                                    <p:set>
+                                      <p:cBhvr>
+                                        <p:cTn id="24" dur="1" fill="hold">
+                                          <p:stCondLst>
+                                            <p:cond delay="0"/>
+                                          </p:stCondLst>
+                                        </p:cTn>
+                                        <p:tgtEl>
+                                          <p:spTgt spid="3">
+                                            <p:txEl>
+                                              <p:pRg st="4" end="4"/>
+                                            </p:txEl>
+                                          </p:spTgt>
+                                        </p:tgtEl>
+                                        <p:attrNameLst>
+                                          <p:attrName>style.visibility</p:attrName>
+                                        </p:attrNameLst>
+                                      </p:cBhvr>
+                                      <p:to>
+                                        <p:strVal val="visible"/>
+                                      </p:to>
+                                    </p:set>
+                                    <p:animEffect transition="in" filter="fade">
+                                      <p:cBhvr>
+                                        <p:cTn id="25" dur="500"/>
+                                        <p:tgtEl>
+                                          <p:spTgt spid="3">
+                                            <p:txEl>
+                                              <p:pRg st="4" end="4"/>
+                                            </p:txEl>
+                                          </p:spTgt>
+                                        </p:tgtEl>
+                                      </p:cBhvr>
+                                    </p:animEffect>
+                                  </p:childTnLst>
+                                </p:cTn>
+                              </p:par>
+                              <p:par>
+                                <p:cTn id="26" presetID="10" presetClass="entr" presetSubtype="0" fill="hold" grpId="0" nodeType="withEffect">
+                                  <p:stCondLst>
+                                    <p:cond delay="0"/>
+                                  </p:stCondLst>
+                                  <p:childTnLst>
+                                    <p:set>
+                                      <p:cBhvr>
+                                        <p:cTn id="27" dur="1" fill="hold">
+                                          <p:stCondLst>
+                                            <p:cond delay="0"/>
+                                          </p:stCondLst>
+                                        </p:cTn>
+                                        <p:tgtEl>
+                                          <p:spTgt spid="3">
+                                            <p:txEl>
+                                              <p:pRg st="5" end="5"/>
+                                            </p:txEl>
+                                          </p:spTgt>
+                                        </p:tgtEl>
+                                        <p:attrNameLst>
+                                          <p:attrName>style.visibility</p:attrName>
+                                        </p:attrNameLst>
+                                      </p:cBhvr>
+                                      <p:to>
+                                        <p:strVal val="visible"/>
+                                      </p:to>
+                                    </p:set>
+                                    <p:animEffect transition="in" filter="fade">
+                                      <p:cBhvr>
+                                        <p:cTn id="28" dur="500"/>
+                                        <p:tgtEl>
+                                          <p:spTgt spid="3">
+                                            <p:txEl>
+                                              <p:pRg st="5" end="5"/>
+                                            </p:txEl>
+                                          </p:spTgt>
+                                        </p:tgtEl>
+                                      </p:cBhvr>
+                                    </p:animEffect>
+                                  </p:childTnLst>
+                                </p:cTn>
+                              </p:par>
+                            </p:childTnLst>
+                          </p:cTn>
+                        </p:par>
+                      </p:childTnLst>
+                    </p:cTn>
+                  </p:par>
+                </p:childTnLst>
+              </p:cTn>
+              <p:prevCondLst>
+                <p:cond evt="onPrev" delay="0">
+                  <p:tgtEl>
+                    <p:sldTgt/>
+                  </p:tgtEl>
+                </p:cond>
+              </p:prevCondLst>
+              <p:nextCondLst>
+                <p:cond evt="onNext" delay="0">
+                  <p:tgtEl>
+                    <p:sldTgt/>
+                  </p:tgtEl>
+                </p:cond>
+              </p:nextCondLst>
+            </p:seq>
+          </p:childTnLst>
+        </p:cTn>
+      </p:par>
+    </p:tnLst>
+    <p:bldLst>
+      <p:bldP spid="3" grpId="0" build="p"/>
+    </p:bldLst>
+  </p:timing>
 </p:sld>
 </file>
 
@@ -24048,6 +25981,527 @@
   <p:clrMapOvr>
     <a:masterClrMapping/>
   </p:clrMapOvr>
+  <p:timing>
+    <p:tnLst>
+      <p:par>
+        <p:cTn id="1" dur="indefinite" restart="never" nodeType="tmRoot">
+          <p:childTnLst>
+            <p:seq concurrent="1" nextAc="seek">
+              <p:cTn id="2" dur="indefinite" nodeType="mainSeq">
+                <p:childTnLst>
+                  <p:par>
+                    <p:cTn id="3" fill="hold">
+                      <p:stCondLst>
+                        <p:cond delay="indefinite"/>
+                      </p:stCondLst>
+                      <p:childTnLst>
+                        <p:par>
+                          <p:cTn id="4" fill="hold">
+                            <p:stCondLst>
+                              <p:cond delay="0"/>
+                            </p:stCondLst>
+                            <p:childTnLst>
+                              <p:par>
+                                <p:cTn id="5" presetID="10" presetClass="entr" presetSubtype="0" fill="hold" grpId="0" nodeType="clickEffect">
+                                  <p:stCondLst>
+                                    <p:cond delay="0"/>
+                                  </p:stCondLst>
+                                  <p:childTnLst>
+                                    <p:set>
+                                      <p:cBhvr>
+                                        <p:cTn id="6" dur="1" fill="hold">
+                                          <p:stCondLst>
+                                            <p:cond delay="0"/>
+                                          </p:stCondLst>
+                                        </p:cTn>
+                                        <p:tgtEl>
+                                          <p:spTgt spid="3">
+                                            <p:txEl>
+                                              <p:pRg st="0" end="0"/>
+                                            </p:txEl>
+                                          </p:spTgt>
+                                        </p:tgtEl>
+                                        <p:attrNameLst>
+                                          <p:attrName>style.visibility</p:attrName>
+                                        </p:attrNameLst>
+                                      </p:cBhvr>
+                                      <p:to>
+                                        <p:strVal val="visible"/>
+                                      </p:to>
+                                    </p:set>
+                                    <p:animEffect transition="in" filter="fade">
+                                      <p:cBhvr>
+                                        <p:cTn id="7" dur="500"/>
+                                        <p:tgtEl>
+                                          <p:spTgt spid="3">
+                                            <p:txEl>
+                                              <p:pRg st="0" end="0"/>
+                                            </p:txEl>
+                                          </p:spTgt>
+                                        </p:tgtEl>
+                                      </p:cBhvr>
+                                    </p:animEffect>
+                                  </p:childTnLst>
+                                </p:cTn>
+                              </p:par>
+                            </p:childTnLst>
+                          </p:cTn>
+                        </p:par>
+                      </p:childTnLst>
+                    </p:cTn>
+                  </p:par>
+                  <p:par>
+                    <p:cTn id="8" fill="hold">
+                      <p:stCondLst>
+                        <p:cond delay="indefinite"/>
+                      </p:stCondLst>
+                      <p:childTnLst>
+                        <p:par>
+                          <p:cTn id="9" fill="hold">
+                            <p:stCondLst>
+                              <p:cond delay="0"/>
+                            </p:stCondLst>
+                            <p:childTnLst>
+                              <p:par>
+                                <p:cTn id="10" presetID="10" presetClass="entr" presetSubtype="0" fill="hold" grpId="0" nodeType="clickEffect">
+                                  <p:stCondLst>
+                                    <p:cond delay="0"/>
+                                  </p:stCondLst>
+                                  <p:childTnLst>
+                                    <p:set>
+                                      <p:cBhvr>
+                                        <p:cTn id="11" dur="1" fill="hold">
+                                          <p:stCondLst>
+                                            <p:cond delay="0"/>
+                                          </p:stCondLst>
+                                        </p:cTn>
+                                        <p:tgtEl>
+                                          <p:spTgt spid="3">
+                                            <p:txEl>
+                                              <p:pRg st="1" end="1"/>
+                                            </p:txEl>
+                                          </p:spTgt>
+                                        </p:tgtEl>
+                                        <p:attrNameLst>
+                                          <p:attrName>style.visibility</p:attrName>
+                                        </p:attrNameLst>
+                                      </p:cBhvr>
+                                      <p:to>
+                                        <p:strVal val="visible"/>
+                                      </p:to>
+                                    </p:set>
+                                    <p:animEffect transition="in" filter="fade">
+                                      <p:cBhvr>
+                                        <p:cTn id="12" dur="500"/>
+                                        <p:tgtEl>
+                                          <p:spTgt spid="3">
+                                            <p:txEl>
+                                              <p:pRg st="1" end="1"/>
+                                            </p:txEl>
+                                          </p:spTgt>
+                                        </p:tgtEl>
+                                      </p:cBhvr>
+                                    </p:animEffect>
+                                  </p:childTnLst>
+                                </p:cTn>
+                              </p:par>
+                            </p:childTnLst>
+                          </p:cTn>
+                        </p:par>
+                      </p:childTnLst>
+                    </p:cTn>
+                  </p:par>
+                  <p:par>
+                    <p:cTn id="13" fill="hold">
+                      <p:stCondLst>
+                        <p:cond delay="indefinite"/>
+                      </p:stCondLst>
+                      <p:childTnLst>
+                        <p:par>
+                          <p:cTn id="14" fill="hold">
+                            <p:stCondLst>
+                              <p:cond delay="0"/>
+                            </p:stCondLst>
+                            <p:childTnLst>
+                              <p:par>
+                                <p:cTn id="15" presetID="10" presetClass="entr" presetSubtype="0" fill="hold" grpId="0" nodeType="clickEffect">
+                                  <p:stCondLst>
+                                    <p:cond delay="0"/>
+                                  </p:stCondLst>
+                                  <p:childTnLst>
+                                    <p:set>
+                                      <p:cBhvr>
+                                        <p:cTn id="16" dur="1" fill="hold">
+                                          <p:stCondLst>
+                                            <p:cond delay="0"/>
+                                          </p:stCondLst>
+                                        </p:cTn>
+                                        <p:tgtEl>
+                                          <p:spTgt spid="3">
+                                            <p:txEl>
+                                              <p:pRg st="2" end="2"/>
+                                            </p:txEl>
+                                          </p:spTgt>
+                                        </p:tgtEl>
+                                        <p:attrNameLst>
+                                          <p:attrName>style.visibility</p:attrName>
+                                        </p:attrNameLst>
+                                      </p:cBhvr>
+                                      <p:to>
+                                        <p:strVal val="visible"/>
+                                      </p:to>
+                                    </p:set>
+                                    <p:animEffect transition="in" filter="fade">
+                                      <p:cBhvr>
+                                        <p:cTn id="17" dur="500"/>
+                                        <p:tgtEl>
+                                          <p:spTgt spid="3">
+                                            <p:txEl>
+                                              <p:pRg st="2" end="2"/>
+                                            </p:txEl>
+                                          </p:spTgt>
+                                        </p:tgtEl>
+                                      </p:cBhvr>
+                                    </p:animEffect>
+                                  </p:childTnLst>
+                                </p:cTn>
+                              </p:par>
+                            </p:childTnLst>
+                          </p:cTn>
+                        </p:par>
+                      </p:childTnLst>
+                    </p:cTn>
+                  </p:par>
+                  <p:par>
+                    <p:cTn id="18" fill="hold">
+                      <p:stCondLst>
+                        <p:cond delay="indefinite"/>
+                      </p:stCondLst>
+                      <p:childTnLst>
+                        <p:par>
+                          <p:cTn id="19" fill="hold">
+                            <p:stCondLst>
+                              <p:cond delay="0"/>
+                            </p:stCondLst>
+                            <p:childTnLst>
+                              <p:par>
+                                <p:cTn id="20" presetID="10" presetClass="entr" presetSubtype="0" fill="hold" grpId="0" nodeType="clickEffect">
+                                  <p:stCondLst>
+                                    <p:cond delay="0"/>
+                                  </p:stCondLst>
+                                  <p:childTnLst>
+                                    <p:set>
+                                      <p:cBhvr>
+                                        <p:cTn id="21" dur="1" fill="hold">
+                                          <p:stCondLst>
+                                            <p:cond delay="0"/>
+                                          </p:stCondLst>
+                                        </p:cTn>
+                                        <p:tgtEl>
+                                          <p:spTgt spid="3">
+                                            <p:txEl>
+                                              <p:pRg st="3" end="3"/>
+                                            </p:txEl>
+                                          </p:spTgt>
+                                        </p:tgtEl>
+                                        <p:attrNameLst>
+                                          <p:attrName>style.visibility</p:attrName>
+                                        </p:attrNameLst>
+                                      </p:cBhvr>
+                                      <p:to>
+                                        <p:strVal val="visible"/>
+                                      </p:to>
+                                    </p:set>
+                                    <p:animEffect transition="in" filter="fade">
+                                      <p:cBhvr>
+                                        <p:cTn id="22" dur="500"/>
+                                        <p:tgtEl>
+                                          <p:spTgt spid="3">
+                                            <p:txEl>
+                                              <p:pRg st="3" end="3"/>
+                                            </p:txEl>
+                                          </p:spTgt>
+                                        </p:tgtEl>
+                                      </p:cBhvr>
+                                    </p:animEffect>
+                                  </p:childTnLst>
+                                </p:cTn>
+                              </p:par>
+                            </p:childTnLst>
+                          </p:cTn>
+                        </p:par>
+                      </p:childTnLst>
+                    </p:cTn>
+                  </p:par>
+                  <p:par>
+                    <p:cTn id="23" fill="hold">
+                      <p:stCondLst>
+                        <p:cond delay="indefinite"/>
+                      </p:stCondLst>
+                      <p:childTnLst>
+                        <p:par>
+                          <p:cTn id="24" fill="hold">
+                            <p:stCondLst>
+                              <p:cond delay="0"/>
+                            </p:stCondLst>
+                            <p:childTnLst>
+                              <p:par>
+                                <p:cTn id="25" presetID="10" presetClass="entr" presetSubtype="0" fill="hold" grpId="0" nodeType="clickEffect">
+                                  <p:stCondLst>
+                                    <p:cond delay="0"/>
+                                  </p:stCondLst>
+                                  <p:childTnLst>
+                                    <p:set>
+                                      <p:cBhvr>
+                                        <p:cTn id="26" dur="1" fill="hold">
+                                          <p:stCondLst>
+                                            <p:cond delay="0"/>
+                                          </p:stCondLst>
+                                        </p:cTn>
+                                        <p:tgtEl>
+                                          <p:spTgt spid="3">
+                                            <p:txEl>
+                                              <p:pRg st="4" end="4"/>
+                                            </p:txEl>
+                                          </p:spTgt>
+                                        </p:tgtEl>
+                                        <p:attrNameLst>
+                                          <p:attrName>style.visibility</p:attrName>
+                                        </p:attrNameLst>
+                                      </p:cBhvr>
+                                      <p:to>
+                                        <p:strVal val="visible"/>
+                                      </p:to>
+                                    </p:set>
+                                    <p:animEffect transition="in" filter="fade">
+                                      <p:cBhvr>
+                                        <p:cTn id="27" dur="500"/>
+                                        <p:tgtEl>
+                                          <p:spTgt spid="3">
+                                            <p:txEl>
+                                              <p:pRg st="4" end="4"/>
+                                            </p:txEl>
+                                          </p:spTgt>
+                                        </p:tgtEl>
+                                      </p:cBhvr>
+                                    </p:animEffect>
+                                  </p:childTnLst>
+                                </p:cTn>
+                              </p:par>
+                            </p:childTnLst>
+                          </p:cTn>
+                        </p:par>
+                      </p:childTnLst>
+                    </p:cTn>
+                  </p:par>
+                  <p:par>
+                    <p:cTn id="28" fill="hold">
+                      <p:stCondLst>
+                        <p:cond delay="indefinite"/>
+                      </p:stCondLst>
+                      <p:childTnLst>
+                        <p:par>
+                          <p:cTn id="29" fill="hold">
+                            <p:stCondLst>
+                              <p:cond delay="0"/>
+                            </p:stCondLst>
+                            <p:childTnLst>
+                              <p:par>
+                                <p:cTn id="30" presetID="10" presetClass="entr" presetSubtype="0" fill="hold" grpId="0" nodeType="clickEffect">
+                                  <p:stCondLst>
+                                    <p:cond delay="0"/>
+                                  </p:stCondLst>
+                                  <p:childTnLst>
+                                    <p:set>
+                                      <p:cBhvr>
+                                        <p:cTn id="31" dur="1" fill="hold">
+                                          <p:stCondLst>
+                                            <p:cond delay="0"/>
+                                          </p:stCondLst>
+                                        </p:cTn>
+                                        <p:tgtEl>
+                                          <p:spTgt spid="3">
+                                            <p:txEl>
+                                              <p:pRg st="5" end="5"/>
+                                            </p:txEl>
+                                          </p:spTgt>
+                                        </p:tgtEl>
+                                        <p:attrNameLst>
+                                          <p:attrName>style.visibility</p:attrName>
+                                        </p:attrNameLst>
+                                      </p:cBhvr>
+                                      <p:to>
+                                        <p:strVal val="visible"/>
+                                      </p:to>
+                                    </p:set>
+                                    <p:animEffect transition="in" filter="fade">
+                                      <p:cBhvr>
+                                        <p:cTn id="32" dur="500"/>
+                                        <p:tgtEl>
+                                          <p:spTgt spid="3">
+                                            <p:txEl>
+                                              <p:pRg st="5" end="5"/>
+                                            </p:txEl>
+                                          </p:spTgt>
+                                        </p:tgtEl>
+                                      </p:cBhvr>
+                                    </p:animEffect>
+                                  </p:childTnLst>
+                                </p:cTn>
+                              </p:par>
+                            </p:childTnLst>
+                          </p:cTn>
+                        </p:par>
+                      </p:childTnLst>
+                    </p:cTn>
+                  </p:par>
+                  <p:par>
+                    <p:cTn id="33" fill="hold">
+                      <p:stCondLst>
+                        <p:cond delay="indefinite"/>
+                      </p:stCondLst>
+                      <p:childTnLst>
+                        <p:par>
+                          <p:cTn id="34" fill="hold">
+                            <p:stCondLst>
+                              <p:cond delay="0"/>
+                            </p:stCondLst>
+                            <p:childTnLst>
+                              <p:par>
+                                <p:cTn id="35" presetID="10" presetClass="entr" presetSubtype="0" fill="hold" grpId="0" nodeType="clickEffect">
+                                  <p:stCondLst>
+                                    <p:cond delay="0"/>
+                                  </p:stCondLst>
+                                  <p:childTnLst>
+                                    <p:set>
+                                      <p:cBhvr>
+                                        <p:cTn id="36" dur="1" fill="hold">
+                                          <p:stCondLst>
+                                            <p:cond delay="0"/>
+                                          </p:stCondLst>
+                                        </p:cTn>
+                                        <p:tgtEl>
+                                          <p:spTgt spid="3">
+                                            <p:txEl>
+                                              <p:pRg st="6" end="6"/>
+                                            </p:txEl>
+                                          </p:spTgt>
+                                        </p:tgtEl>
+                                        <p:attrNameLst>
+                                          <p:attrName>style.visibility</p:attrName>
+                                        </p:attrNameLst>
+                                      </p:cBhvr>
+                                      <p:to>
+                                        <p:strVal val="visible"/>
+                                      </p:to>
+                                    </p:set>
+                                    <p:animEffect transition="in" filter="fade">
+                                      <p:cBhvr>
+                                        <p:cTn id="37" dur="500"/>
+                                        <p:tgtEl>
+                                          <p:spTgt spid="3">
+                                            <p:txEl>
+                                              <p:pRg st="6" end="6"/>
+                                            </p:txEl>
+                                          </p:spTgt>
+                                        </p:tgtEl>
+                                      </p:cBhvr>
+                                    </p:animEffect>
+                                  </p:childTnLst>
+                                </p:cTn>
+                              </p:par>
+                            </p:childTnLst>
+                          </p:cTn>
+                        </p:par>
+                      </p:childTnLst>
+                    </p:cTn>
+                  </p:par>
+                  <p:par>
+                    <p:cTn id="38" fill="hold">
+                      <p:stCondLst>
+                        <p:cond delay="indefinite"/>
+                      </p:stCondLst>
+                      <p:childTnLst>
+                        <p:par>
+                          <p:cTn id="39" fill="hold">
+                            <p:stCondLst>
+                              <p:cond delay="0"/>
+                            </p:stCondLst>
+                            <p:childTnLst>
+                              <p:par>
+                                <p:cTn id="40" presetID="10" presetClass="entr" presetSubtype="0" fill="hold" grpId="0" nodeType="clickEffect">
+                                  <p:stCondLst>
+                                    <p:cond delay="0"/>
+                                  </p:stCondLst>
+                                  <p:childTnLst>
+                                    <p:set>
+                                      <p:cBhvr>
+                                        <p:cTn id="41" dur="1" fill="hold">
+                                          <p:stCondLst>
+                                            <p:cond delay="0"/>
+                                          </p:stCondLst>
+                                        </p:cTn>
+                                        <p:tgtEl>
+                                          <p:spTgt spid="3">
+                                            <p:txEl>
+                                              <p:pRg st="7" end="7"/>
+                                            </p:txEl>
+                                          </p:spTgt>
+                                        </p:tgtEl>
+                                        <p:attrNameLst>
+                                          <p:attrName>style.visibility</p:attrName>
+                                        </p:attrNameLst>
+                                      </p:cBhvr>
+                                      <p:to>
+                                        <p:strVal val="visible"/>
+                                      </p:to>
+                                    </p:set>
+                                    <p:animEffect transition="in" filter="fade">
+                                      <p:cBhvr>
+                                        <p:cTn id="42" dur="500"/>
+                                        <p:tgtEl>
+                                          <p:spTgt spid="3">
+                                            <p:txEl>
+                                              <p:pRg st="7" end="7"/>
+                                            </p:txEl>
+                                          </p:spTgt>
+                                        </p:tgtEl>
+                                      </p:cBhvr>
+                                    </p:animEffect>
+                                  </p:childTnLst>
+                                </p:cTn>
+                              </p:par>
+                            </p:childTnLst>
+                          </p:cTn>
+                        </p:par>
+                      </p:childTnLst>
+                    </p:cTn>
+                  </p:par>
+                </p:childTnLst>
+              </p:cTn>
+              <p:prevCondLst>
+                <p:cond evt="onPrev" delay="0">
+                  <p:tgtEl>
+                    <p:sldTgt/>
+                  </p:tgtEl>
+                </p:cond>
+              </p:prevCondLst>
+              <p:nextCondLst>
+                <p:cond evt="onNext" delay="0">
+                  <p:tgtEl>
+                    <p:sldTgt/>
+                  </p:tgtEl>
+                </p:cond>
+              </p:nextCondLst>
+            </p:seq>
+          </p:childTnLst>
+        </p:cTn>
+      </p:par>
+    </p:tnLst>
+    <p:bldLst>
+      <p:bldP spid="3" grpId="0" uiExpand="1" build="p"/>
+    </p:bldLst>
+  </p:timing>
 </p:sld>
 </file>
 
@@ -46394,15 +48848,6 @@
 </file>
 
 <file path=customXml/item1.xml><?xml version="1.0" encoding="utf-8"?>
-<?mso-contentType ?>
-<FormTemplates xmlns="http://schemas.microsoft.com/sharepoint/v3/contenttype/forms">
-  <Display>DocumentLibraryForm</Display>
-  <Edit>DocumentLibraryForm</Edit>
-  <New>DocumentLibraryForm</New>
-</FormTemplates>
-</file>
-
-<file path=customXml/item2.xml><?xml version="1.0" encoding="utf-8"?>
 <ct:contentTypeSchema xmlns:ct="http://schemas.microsoft.com/office/2006/metadata/contentType" xmlns:ma="http://schemas.microsoft.com/office/2006/metadata/properties/metaAttributes" ct:_="" ma:_="" ma:contentTypeName="Document" ma:contentTypeID="0x01010061B81E3BA243CF4A868B0BEC9F975797" ma:contentTypeVersion="11" ma:contentTypeDescription="Create a new document." ma:contentTypeScope="" ma:versionID="d6987b30bf8e1530db28844b0e3c8f7c">
   <xsd:schema xmlns:xsd="http://www.w3.org/2001/XMLSchema" xmlns:xs="http://www.w3.org/2001/XMLSchema" xmlns:p="http://schemas.microsoft.com/office/2006/metadata/properties" xmlns:ns2="4af98d12-1551-4a02-9e0a-f0639a4d5771" xmlns:ns3="6fd23e11-32eb-4a0c-a866-7a24f41d8546" targetNamespace="http://schemas.microsoft.com/office/2006/metadata/properties" ma:root="true" ma:fieldsID="bbb24fe35e8cdef0f53ee6552c1907ed" ns2:_="" ns3:_="">
     <xsd:import namespace="4af98d12-1551-4a02-9e0a-f0639a4d5771"/>
@@ -46597,15 +49042,16 @@
 </ct:contentTypeSchema>
 </file>
 
-<file path=customXml/itemProps1.xml><?xml version="1.0" encoding="utf-8"?>
-<ds:datastoreItem xmlns:ds="http://schemas.openxmlformats.org/officeDocument/2006/customXml" ds:itemID="{6406DFD5-8C57-4EAD-B498-AB8664690A9C}">
-  <ds:schemaRefs>
-    <ds:schemaRef ds:uri="http://schemas.microsoft.com/sharepoint/v3/contenttype/forms"/>
-  </ds:schemaRefs>
-</ds:datastoreItem>
+<file path=customXml/item2.xml><?xml version="1.0" encoding="utf-8"?>
+<?mso-contentType ?>
+<FormTemplates xmlns="http://schemas.microsoft.com/sharepoint/v3/contenttype/forms">
+  <Display>DocumentLibraryForm</Display>
+  <Edit>DocumentLibraryForm</Edit>
+  <New>DocumentLibraryForm</New>
+</FormTemplates>
 </file>
 
-<file path=customXml/itemProps2.xml><?xml version="1.0" encoding="utf-8"?>
+<file path=customXml/itemProps1.xml><?xml version="1.0" encoding="utf-8"?>
 <ds:datastoreItem xmlns:ds="http://schemas.openxmlformats.org/officeDocument/2006/customXml" ds:itemID="{03FCA14D-D730-4CE8-9BA1-9CF778004E04}">
   <ds:schemaRefs>
     <ds:schemaRef ds:uri="http://schemas.microsoft.com/office/2006/metadata/contentType"/>
@@ -46622,4 +49068,12 @@
     <ds:schemaRef ds:uri="http://schemas.microsoft.com/internal/obd"/>
   </ds:schemaRefs>
 </ds:datastoreItem>
+</file>
+
+<file path=customXml/itemProps2.xml><?xml version="1.0" encoding="utf-8"?>
+<ds:datastoreItem xmlns:ds="http://schemas.openxmlformats.org/officeDocument/2006/customXml" ds:itemID="{6406DFD5-8C57-4EAD-B498-AB8664690A9C}">
+  <ds:schemaRefs>
+    <ds:schemaRef ds:uri="http://schemas.microsoft.com/sharepoint/v3/contenttype/forms"/>
+  </ds:schemaRefs>
+</ds:datastoreItem>
 </file>